--- a/跨时区.pptx
+++ b/跨时区.pptx
@@ -13,8 +13,13 @@
     <p:sldId id="263" r:id="rId7"/>
     <p:sldId id="264" r:id="rId8"/>
     <p:sldId id="265" r:id="rId9"/>
-    <p:sldId id="266" r:id="rId10"/>
-    <p:sldId id="267" r:id="rId11"/>
+    <p:sldId id="267" r:id="rId10"/>
+    <p:sldId id="268" r:id="rId11"/>
+    <p:sldId id="269" r:id="rId12"/>
+    <p:sldId id="270" r:id="rId13"/>
+    <p:sldId id="271" r:id="rId14"/>
+    <p:sldId id="272" r:id="rId15"/>
+    <p:sldId id="273" r:id="rId16"/>
   </p:sldIdLst>
   <p:sldSz cx="12192000" cy="6858000"/>
   <p:notesSz cx="6858000" cy="9144000"/>
@@ -351,7 +356,7 @@
           <a:p>
             <a:fld id="{A8B3A221-DF26-4082-95D4-F7FFF8E76C79}" type="datetimeFigureOut">
               <a:rPr lang="zh-CN" altLang="en-US" smtClean="0"/>
-              <a:t>2017/12/10</a:t>
+              <a:t>2017/12/11</a:t>
             </a:fld>
             <a:endParaRPr lang="zh-CN" altLang="en-US"/>
           </a:p>
@@ -559,7 +564,7 @@
           <a:p>
             <a:fld id="{A8B3A221-DF26-4082-95D4-F7FFF8E76C79}" type="datetimeFigureOut">
               <a:rPr lang="zh-CN" altLang="en-US" smtClean="0"/>
-              <a:t>2017/12/10</a:t>
+              <a:t>2017/12/11</a:t>
             </a:fld>
             <a:endParaRPr lang="zh-CN" altLang="en-US"/>
           </a:p>
@@ -815,7 +820,7 @@
           <a:p>
             <a:fld id="{A8B3A221-DF26-4082-95D4-F7FFF8E76C79}" type="datetimeFigureOut">
               <a:rPr lang="zh-CN" altLang="en-US" smtClean="0"/>
-              <a:t>2017/12/10</a:t>
+              <a:t>2017/12/11</a:t>
             </a:fld>
             <a:endParaRPr lang="zh-CN" altLang="en-US"/>
           </a:p>
@@ -989,7 +994,7 @@
           <a:p>
             <a:fld id="{A8B3A221-DF26-4082-95D4-F7FFF8E76C79}" type="datetimeFigureOut">
               <a:rPr lang="zh-CN" altLang="en-US" smtClean="0"/>
-              <a:t>2017/12/10</a:t>
+              <a:t>2017/12/11</a:t>
             </a:fld>
             <a:endParaRPr lang="zh-CN" altLang="en-US"/>
           </a:p>
@@ -1332,7 +1337,7 @@
           <a:p>
             <a:fld id="{A8B3A221-DF26-4082-95D4-F7FFF8E76C79}" type="datetimeFigureOut">
               <a:rPr lang="zh-CN" altLang="en-US" smtClean="0"/>
-              <a:t>2017/12/10</a:t>
+              <a:t>2017/12/11</a:t>
             </a:fld>
             <a:endParaRPr lang="zh-CN" altLang="en-US"/>
           </a:p>
@@ -1607,7 +1612,7 @@
           <a:p>
             <a:fld id="{A8B3A221-DF26-4082-95D4-F7FFF8E76C79}" type="datetimeFigureOut">
               <a:rPr lang="zh-CN" altLang="en-US" smtClean="0"/>
-              <a:t>2017/12/10</a:t>
+              <a:t>2017/12/11</a:t>
             </a:fld>
             <a:endParaRPr lang="zh-CN" altLang="en-US"/>
           </a:p>
@@ -1986,7 +1991,7 @@
           <a:p>
             <a:fld id="{A8B3A221-DF26-4082-95D4-F7FFF8E76C79}" type="datetimeFigureOut">
               <a:rPr lang="zh-CN" altLang="en-US" smtClean="0"/>
-              <a:t>2017/12/10</a:t>
+              <a:t>2017/12/11</a:t>
             </a:fld>
             <a:endParaRPr lang="zh-CN" altLang="en-US"/>
           </a:p>
@@ -2104,7 +2109,7 @@
           <a:p>
             <a:fld id="{A8B3A221-DF26-4082-95D4-F7FFF8E76C79}" type="datetimeFigureOut">
               <a:rPr lang="zh-CN" altLang="en-US" smtClean="0"/>
-              <a:t>2017/12/10</a:t>
+              <a:t>2017/12/11</a:t>
             </a:fld>
             <a:endParaRPr lang="zh-CN" altLang="en-US"/>
           </a:p>
@@ -2275,7 +2280,7 @@
           <a:p>
             <a:fld id="{A8B3A221-DF26-4082-95D4-F7FFF8E76C79}" type="datetimeFigureOut">
               <a:rPr lang="zh-CN" altLang="en-US" smtClean="0"/>
-              <a:t>2017/12/10</a:t>
+              <a:t>2017/12/11</a:t>
             </a:fld>
             <a:endParaRPr lang="zh-CN" altLang="en-US"/>
           </a:p>
@@ -2629,7 +2634,7 @@
           <a:p>
             <a:fld id="{A8B3A221-DF26-4082-95D4-F7FFF8E76C79}" type="datetimeFigureOut">
               <a:rPr lang="zh-CN" altLang="en-US" smtClean="0"/>
-              <a:t>2017/12/10</a:t>
+              <a:t>2017/12/11</a:t>
             </a:fld>
             <a:endParaRPr lang="zh-CN" altLang="en-US"/>
           </a:p>
@@ -3011,7 +3016,7 @@
           <a:p>
             <a:fld id="{A8B3A221-DF26-4082-95D4-F7FFF8E76C79}" type="datetimeFigureOut">
               <a:rPr lang="zh-CN" altLang="en-US" smtClean="0"/>
-              <a:t>2017/12/10</a:t>
+              <a:t>2017/12/11</a:t>
             </a:fld>
             <a:endParaRPr lang="zh-CN" altLang="en-US"/>
           </a:p>
@@ -3298,7 +3303,7 @@
           <a:p>
             <a:fld id="{A8B3A221-DF26-4082-95D4-F7FFF8E76C79}" type="datetimeFigureOut">
               <a:rPr lang="zh-CN" altLang="en-US" smtClean="0"/>
-              <a:t>2017/12/10</a:t>
+              <a:t>2017/12/11</a:t>
             </a:fld>
             <a:endParaRPr lang="zh-CN" altLang="en-US"/>
           </a:p>
@@ -3939,7 +3944,7 @@
           <a:p>
             <a:r>
               <a:rPr lang="zh-CN" altLang="en-US" dirty="0"/>
-              <a:t>实验</a:t>
+              <a:t>开发中需要考虑的问题</a:t>
             </a:r>
           </a:p>
         </p:txBody>
@@ -3972,6 +3977,61 @@
           </a:bodyPr>
           <a:lstStyle/>
           <a:p>
+            <a:pPr marL="0" lvl="0" indent="0">
+              <a:lnSpc>
+                <a:spcPct val="120000"/>
+              </a:lnSpc>
+              <a:spcBef>
+                <a:spcPts val="200"/>
+              </a:spcBef>
+              <a:buClr>
+                <a:srgbClr val="E48312"/>
+              </a:buClr>
+              <a:buNone/>
+            </a:pPr>
+            <a:r>
+              <a:rPr lang="zh-CN" altLang="en-US" sz="2800" dirty="0">
+                <a:solidFill>
+                  <a:srgbClr val="000000">
+                    <a:lumMod val="75000"/>
+                    <a:lumOff val="25000"/>
+                  </a:srgbClr>
+                </a:solidFill>
+              </a:rPr>
+              <a:t>时间信息应在哪里获取？客户端</a:t>
+            </a:r>
+            <a:r>
+              <a:rPr lang="en-US" altLang="zh-CN" sz="2800" dirty="0">
+                <a:solidFill>
+                  <a:srgbClr val="000000">
+                    <a:lumMod val="75000"/>
+                    <a:lumOff val="25000"/>
+                  </a:srgbClr>
+                </a:solidFill>
+              </a:rPr>
+              <a:t>&amp;</a:t>
+            </a:r>
+            <a:r>
+              <a:rPr lang="zh-CN" altLang="en-US" sz="2800" dirty="0">
+                <a:solidFill>
+                  <a:srgbClr val="000000">
+                    <a:lumMod val="75000"/>
+                    <a:lumOff val="25000"/>
+                  </a:srgbClr>
+                </a:solidFill>
+              </a:rPr>
+              <a:t>服务端？</a:t>
+            </a:r>
+            <a:endParaRPr lang="en-US" altLang="zh-CN" sz="2800" dirty="0">
+              <a:solidFill>
+                <a:srgbClr val="000000">
+                  <a:lumMod val="75000"/>
+                  <a:lumOff val="25000"/>
+                </a:srgbClr>
+              </a:solidFill>
+            </a:endParaRPr>
+          </a:p>
+          <a:p>
             <a:pPr marL="0" indent="0">
               <a:lnSpc>
                 <a:spcPct val="120000"/>
@@ -3979,49 +4039,19 @@
               <a:spcBef>
                 <a:spcPts val="200"/>
               </a:spcBef>
+              <a:buClr>
+                <a:srgbClr val="E48312"/>
+              </a:buClr>
               <a:buNone/>
             </a:pPr>
-            <a:r>
-              <a:rPr lang="en-US" altLang="zh-CN" dirty="0"/>
-              <a:t> </a:t>
-            </a:r>
-            <a:r>
-              <a:rPr lang="zh-CN" altLang="en-US" sz="2400" dirty="0"/>
-              <a:t>情景：一位在中国上海的开发者在</a:t>
-            </a:r>
-            <a:r>
-              <a:rPr lang="en-US" altLang="zh-CN" sz="2400" dirty="0"/>
-              <a:t>2017</a:t>
-            </a:r>
-            <a:r>
-              <a:rPr lang="zh-CN" altLang="en-US" sz="2400" dirty="0"/>
-              <a:t>年</a:t>
-            </a:r>
-            <a:r>
-              <a:rPr lang="en-US" altLang="zh-CN" sz="2400" dirty="0"/>
-              <a:t>12</a:t>
-            </a:r>
-            <a:r>
-              <a:rPr lang="zh-CN" altLang="en-US" sz="2400" dirty="0"/>
-              <a:t>月</a:t>
-            </a:r>
-            <a:r>
-              <a:rPr lang="en-US" altLang="zh-CN" sz="2400" dirty="0"/>
-              <a:t>8</a:t>
-            </a:r>
-            <a:r>
-              <a:rPr lang="zh-CN" altLang="en-US" sz="2400" dirty="0"/>
-              <a:t>日下午</a:t>
-            </a:r>
-            <a:r>
-              <a:rPr lang="en-US" altLang="zh-CN" sz="2400" dirty="0"/>
-              <a:t>2</a:t>
-            </a:r>
-            <a:r>
-              <a:rPr lang="zh-CN" altLang="en-US" sz="2400" dirty="0"/>
-              <a:t>点（北京时间）给一位美国洛杉矶的开发者分配了一条任务，要求两天内完成。该如何对时间进行处理？</a:t>
-            </a:r>
-            <a:endParaRPr lang="en-US" altLang="zh-CN" sz="2400" dirty="0"/>
+            <a:endParaRPr lang="en-US" altLang="zh-CN" sz="2800" dirty="0">
+              <a:solidFill>
+                <a:srgbClr val="000000">
+                  <a:lumMod val="75000"/>
+                  <a:lumOff val="25000"/>
+                </a:srgbClr>
+              </a:solidFill>
+            </a:endParaRPr>
           </a:p>
           <a:p>
             <a:pPr marL="0" indent="0">
@@ -4031,9 +4061,30 @@
               <a:spcBef>
                 <a:spcPts val="200"/>
               </a:spcBef>
+              <a:buClr>
+                <a:srgbClr val="E48312"/>
+              </a:buClr>
               <a:buNone/>
             </a:pPr>
-            <a:endParaRPr lang="en-US" altLang="zh-CN" sz="2400" dirty="0"/>
+            <a:r>
+              <a:rPr lang="zh-CN" altLang="en-US" sz="2800" dirty="0">
+                <a:solidFill>
+                  <a:srgbClr val="000000">
+                    <a:lumMod val="75000"/>
+                    <a:lumOff val="25000"/>
+                  </a:srgbClr>
+                </a:solidFill>
+              </a:rPr>
+              <a:t>相关时间变量：</a:t>
+            </a:r>
+            <a:endParaRPr lang="en-US" altLang="zh-CN" sz="2800" dirty="0">
+              <a:solidFill>
+                <a:srgbClr val="000000">
+                  <a:lumMod val="75000"/>
+                  <a:lumOff val="25000"/>
+                </a:srgbClr>
+              </a:solidFill>
+            </a:endParaRPr>
           </a:p>
           <a:p>
             <a:pPr marL="0" indent="0">
@@ -4043,44 +4094,3329 @@
               <a:spcBef>
                 <a:spcPts val="200"/>
               </a:spcBef>
+              <a:buClr>
+                <a:srgbClr val="E48312"/>
+              </a:buClr>
               <a:buNone/>
             </a:pPr>
             <a:r>
-              <a:rPr lang="zh-CN" altLang="en-US" sz="2400" dirty="0"/>
-              <a:t>任务发布时间（</a:t>
-            </a:r>
-            <a:r>
-              <a:rPr lang="en-US" altLang="zh-CN" sz="2400" dirty="0"/>
-              <a:t>UNIX/ISO 8601</a:t>
-            </a:r>
-            <a:r>
-              <a:rPr lang="zh-CN" altLang="en-US" sz="2400" dirty="0"/>
-              <a:t>） </a:t>
-            </a:r>
-            <a:r>
-              <a:rPr lang="en-US" altLang="zh-CN" sz="2400" dirty="0"/>
-              <a:t>+ 2days = </a:t>
-            </a:r>
-            <a:r>
-              <a:rPr lang="zh-CN" altLang="en-US" sz="2400" dirty="0"/>
-              <a:t>任务截止时间（</a:t>
-            </a:r>
-            <a:r>
-              <a:rPr lang="en-US" altLang="zh-CN" sz="2400" dirty="0"/>
-              <a:t>UNIX/ISO 8601</a:t>
-            </a:r>
-            <a:r>
-              <a:rPr lang="zh-CN" altLang="en-US" sz="2400" dirty="0"/>
-              <a:t>）</a:t>
-            </a:r>
-            <a:endParaRPr lang="en-US" altLang="zh-CN" sz="2400" dirty="0"/>
+              <a:rPr lang="zh-CN" altLang="en-US" sz="2800" dirty="0">
+                <a:solidFill>
+                  <a:srgbClr val="000000">
+                    <a:lumMod val="75000"/>
+                    <a:lumOff val="25000"/>
+                  </a:srgbClr>
+                </a:solidFill>
+              </a:rPr>
+              <a:t>开始时间</a:t>
+            </a:r>
+            <a:r>
+              <a:rPr lang="en-US" altLang="zh-CN" sz="2800" dirty="0" err="1">
+                <a:solidFill>
+                  <a:srgbClr val="000000">
+                    <a:lumMod val="75000"/>
+                    <a:lumOff val="25000"/>
+                  </a:srgbClr>
+                </a:solidFill>
+              </a:rPr>
+              <a:t>staTime</a:t>
+            </a:r>
+            <a:r>
+              <a:rPr lang="zh-CN" altLang="en-US" sz="2800" dirty="0">
+                <a:solidFill>
+                  <a:srgbClr val="000000">
+                    <a:lumMod val="75000"/>
+                    <a:lumOff val="25000"/>
+                  </a:srgbClr>
+                </a:solidFill>
+              </a:rPr>
+              <a:t>、持续时间</a:t>
+            </a:r>
+            <a:r>
+              <a:rPr lang="en-US" altLang="zh-CN" sz="2800" dirty="0" err="1">
+                <a:solidFill>
+                  <a:srgbClr val="000000">
+                    <a:lumMod val="75000"/>
+                    <a:lumOff val="25000"/>
+                  </a:srgbClr>
+                </a:solidFill>
+              </a:rPr>
+              <a:t>timeDur</a:t>
+            </a:r>
+            <a:r>
+              <a:rPr lang="zh-CN" altLang="en-US" sz="2800" dirty="0">
+                <a:solidFill>
+                  <a:srgbClr val="000000">
+                    <a:lumMod val="75000"/>
+                    <a:lumOff val="25000"/>
+                  </a:srgbClr>
+                </a:solidFill>
+              </a:rPr>
+              <a:t>、截止时间</a:t>
+            </a:r>
+            <a:r>
+              <a:rPr lang="en-US" altLang="zh-CN" sz="2800" dirty="0" err="1">
+                <a:solidFill>
+                  <a:srgbClr val="000000">
+                    <a:lumMod val="75000"/>
+                    <a:lumOff val="25000"/>
+                  </a:srgbClr>
+                </a:solidFill>
+              </a:rPr>
+              <a:t>endTime</a:t>
+            </a:r>
+            <a:r>
+              <a:rPr lang="zh-CN" altLang="en-US" sz="2800" dirty="0">
+                <a:solidFill>
+                  <a:srgbClr val="000000">
+                    <a:lumMod val="75000"/>
+                    <a:lumOff val="25000"/>
+                  </a:srgbClr>
+                </a:solidFill>
+              </a:rPr>
+              <a:t>、当前时间</a:t>
+            </a:r>
+            <a:r>
+              <a:rPr lang="en-US" altLang="zh-CN" sz="2800" dirty="0" err="1">
+                <a:solidFill>
+                  <a:srgbClr val="000000">
+                    <a:lumMod val="75000"/>
+                    <a:lumOff val="25000"/>
+                  </a:srgbClr>
+                </a:solidFill>
+              </a:rPr>
+              <a:t>nowTime</a:t>
+            </a:r>
+            <a:r>
+              <a:rPr lang="zh-CN" altLang="en-US" sz="2800" dirty="0">
+                <a:solidFill>
+                  <a:srgbClr val="000000">
+                    <a:lumMod val="75000"/>
+                    <a:lumOff val="25000"/>
+                  </a:srgbClr>
+                </a:solidFill>
+              </a:rPr>
+              <a:t>、时间剩余</a:t>
+            </a:r>
+            <a:r>
+              <a:rPr lang="en-US" altLang="zh-CN" sz="2800" dirty="0" err="1">
+                <a:solidFill>
+                  <a:srgbClr val="000000">
+                    <a:lumMod val="75000"/>
+                    <a:lumOff val="25000"/>
+                  </a:srgbClr>
+                </a:solidFill>
+              </a:rPr>
+              <a:t>timeLef</a:t>
+            </a:r>
+            <a:endParaRPr lang="en-US" altLang="zh-CN" sz="2800" dirty="0">
+              <a:solidFill>
+                <a:srgbClr val="000000">
+                  <a:lumMod val="75000"/>
+                  <a:lumOff val="25000"/>
+                </a:srgbClr>
+              </a:solidFill>
+            </a:endParaRPr>
+          </a:p>
+          <a:p>
+            <a:pPr marL="0" indent="0">
+              <a:lnSpc>
+                <a:spcPct val="120000"/>
+              </a:lnSpc>
+              <a:spcBef>
+                <a:spcPts val="200"/>
+              </a:spcBef>
+              <a:buClr>
+                <a:srgbClr val="E48312"/>
+              </a:buClr>
+              <a:buNone/>
+            </a:pPr>
+            <a:endParaRPr lang="en-US" altLang="zh-CN" sz="2800" dirty="0">
+              <a:solidFill>
+                <a:srgbClr val="000000">
+                  <a:lumMod val="75000"/>
+                  <a:lumOff val="25000"/>
+                </a:srgbClr>
+              </a:solidFill>
+            </a:endParaRPr>
+          </a:p>
+          <a:p>
+            <a:pPr marL="0" indent="0">
+              <a:lnSpc>
+                <a:spcPct val="120000"/>
+              </a:lnSpc>
+              <a:spcBef>
+                <a:spcPts val="200"/>
+              </a:spcBef>
+              <a:buClr>
+                <a:srgbClr val="E48312"/>
+              </a:buClr>
+              <a:buNone/>
+            </a:pPr>
+            <a:r>
+              <a:rPr lang="en-US" altLang="zh-CN" sz="2800" dirty="0" err="1">
+                <a:solidFill>
+                  <a:srgbClr val="FF0000"/>
+                </a:solidFill>
+              </a:rPr>
+              <a:t>staTime</a:t>
+            </a:r>
+            <a:r>
+              <a:rPr lang="en-US" altLang="zh-CN" sz="2800" dirty="0">
+                <a:solidFill>
+                  <a:srgbClr val="000000">
+                    <a:lumMod val="75000"/>
+                    <a:lumOff val="25000"/>
+                  </a:srgbClr>
+                </a:solidFill>
+              </a:rPr>
+              <a:t> + </a:t>
+            </a:r>
+            <a:r>
+              <a:rPr lang="en-US" altLang="zh-CN" sz="2800" dirty="0" err="1">
+                <a:solidFill>
+                  <a:srgbClr val="000000">
+                    <a:lumMod val="75000"/>
+                    <a:lumOff val="25000"/>
+                  </a:srgbClr>
+                </a:solidFill>
+              </a:rPr>
+              <a:t>timeDur</a:t>
+            </a:r>
+            <a:r>
+              <a:rPr lang="en-US" altLang="zh-CN" sz="2800" dirty="0">
+                <a:solidFill>
+                  <a:srgbClr val="000000">
+                    <a:lumMod val="75000"/>
+                    <a:lumOff val="25000"/>
+                  </a:srgbClr>
+                </a:solidFill>
+              </a:rPr>
+              <a:t>  =</a:t>
+            </a:r>
+            <a:r>
+              <a:rPr lang="zh-CN" altLang="en-US" sz="2800" dirty="0">
+                <a:solidFill>
+                  <a:srgbClr val="000000">
+                    <a:lumMod val="75000"/>
+                    <a:lumOff val="25000"/>
+                  </a:srgbClr>
+                </a:solidFill>
+              </a:rPr>
+              <a:t> </a:t>
+            </a:r>
+            <a:r>
+              <a:rPr lang="en-US" altLang="zh-CN" sz="2800" dirty="0" err="1">
+                <a:solidFill>
+                  <a:srgbClr val="000000">
+                    <a:lumMod val="75000"/>
+                    <a:lumOff val="25000"/>
+                  </a:srgbClr>
+                </a:solidFill>
+              </a:rPr>
+              <a:t>endTime</a:t>
+            </a:r>
+            <a:endParaRPr lang="en-US" altLang="zh-CN" sz="2800" dirty="0">
+              <a:solidFill>
+                <a:srgbClr val="000000">
+                  <a:lumMod val="75000"/>
+                  <a:lumOff val="25000"/>
+                </a:srgbClr>
+              </a:solidFill>
+            </a:endParaRPr>
+          </a:p>
+          <a:p>
+            <a:pPr marL="0" indent="0">
+              <a:lnSpc>
+                <a:spcPct val="120000"/>
+              </a:lnSpc>
+              <a:spcBef>
+                <a:spcPts val="200"/>
+              </a:spcBef>
+              <a:buClr>
+                <a:srgbClr val="E48312"/>
+              </a:buClr>
+              <a:buNone/>
+            </a:pPr>
+            <a:r>
+              <a:rPr lang="en-US" altLang="zh-CN" sz="2800" dirty="0" err="1">
+                <a:solidFill>
+                  <a:srgbClr val="000000">
+                    <a:lumMod val="75000"/>
+                    <a:lumOff val="25000"/>
+                  </a:srgbClr>
+                </a:solidFill>
+              </a:rPr>
+              <a:t>endTime</a:t>
+            </a:r>
+            <a:r>
+              <a:rPr lang="en-US" altLang="zh-CN" sz="2800" dirty="0">
+                <a:solidFill>
+                  <a:srgbClr val="000000">
+                    <a:lumMod val="75000"/>
+                    <a:lumOff val="25000"/>
+                  </a:srgbClr>
+                </a:solidFill>
+              </a:rPr>
+              <a:t> - </a:t>
+            </a:r>
+            <a:r>
+              <a:rPr lang="en-US" altLang="zh-CN" sz="2800" dirty="0" err="1">
+                <a:solidFill>
+                  <a:srgbClr val="FF0000"/>
+                </a:solidFill>
+              </a:rPr>
+              <a:t>nowTime</a:t>
+            </a:r>
+            <a:r>
+              <a:rPr lang="en-US" altLang="zh-CN" sz="2800" dirty="0">
+                <a:solidFill>
+                  <a:srgbClr val="000000">
+                    <a:lumMod val="75000"/>
+                    <a:lumOff val="25000"/>
+                  </a:srgbClr>
+                </a:solidFill>
+              </a:rPr>
+              <a:t> = </a:t>
+            </a:r>
+            <a:r>
+              <a:rPr lang="en-US" altLang="zh-CN" sz="2800" dirty="0" err="1">
+                <a:solidFill>
+                  <a:srgbClr val="000000">
+                    <a:lumMod val="75000"/>
+                    <a:lumOff val="25000"/>
+                  </a:srgbClr>
+                </a:solidFill>
+              </a:rPr>
+              <a:t>timeLef</a:t>
+            </a:r>
+            <a:endParaRPr lang="en-US" altLang="zh-CN" sz="2800" dirty="0">
+              <a:solidFill>
+                <a:srgbClr val="000000">
+                  <a:lumMod val="75000"/>
+                  <a:lumOff val="25000"/>
+                </a:srgbClr>
+              </a:solidFill>
+            </a:endParaRPr>
           </a:p>
         </p:txBody>
       </p:sp>
     </p:spTree>
     <p:extLst>
       <p:ext uri="{BB962C8B-B14F-4D97-AF65-F5344CB8AC3E}">
-        <p14:creationId xmlns:p14="http://schemas.microsoft.com/office/powerpoint/2010/main" val="977159657"/>
+        <p14:creationId xmlns:p14="http://schemas.microsoft.com/office/powerpoint/2010/main" val="3442078326"/>
+      </p:ext>
+    </p:extLst>
+  </p:cSld>
+  <p:clrMapOvr>
+    <a:masterClrMapping/>
+  </p:clrMapOvr>
+</p:sld>
+</file>
+
+<file path=ppt/slides/slide11.xml><?xml version="1.0" encoding="utf-8"?>
+<p:sld xmlns:a="http://schemas.openxmlformats.org/drawingml/2006/main" xmlns:r="http://schemas.openxmlformats.org/officeDocument/2006/relationships" xmlns:p="http://schemas.openxmlformats.org/presentationml/2006/main">
+  <p:cSld>
+    <p:spTree>
+      <p:nvGrpSpPr>
+        <p:cNvPr id="1" name=""/>
+        <p:cNvGrpSpPr/>
+        <p:nvPr/>
+      </p:nvGrpSpPr>
+      <p:grpSpPr>
+        <a:xfrm>
+          <a:off x="0" y="0"/>
+          <a:ext cx="0" cy="0"/>
+          <a:chOff x="0" y="0"/>
+          <a:chExt cx="0" cy="0"/>
+        </a:xfrm>
+      </p:grpSpPr>
+      <p:sp>
+        <p:nvSpPr>
+          <p:cNvPr id="2" name="标题 1">
+            <a:extLst>
+              <a:ext uri="{FF2B5EF4-FFF2-40B4-BE49-F238E27FC236}">
+                <a16:creationId xmlns:a16="http://schemas.microsoft.com/office/drawing/2014/main" id="{9176990D-DEC9-4D8B-94CD-4826B9799692}"/>
+              </a:ext>
+            </a:extLst>
+          </p:cNvPr>
+          <p:cNvSpPr>
+            <a:spLocks noGrp="1"/>
+          </p:cNvSpPr>
+          <p:nvPr>
+            <p:ph type="title"/>
+          </p:nvPr>
+        </p:nvSpPr>
+        <p:spPr/>
+        <p:txBody>
+          <a:bodyPr/>
+          <a:lstStyle/>
+          <a:p>
+            <a:r>
+              <a:rPr lang="zh-CN" altLang="en-US" dirty="0"/>
+              <a:t>时间信息的获取</a:t>
+            </a:r>
+          </a:p>
+        </p:txBody>
+      </p:sp>
+      <p:sp>
+        <p:nvSpPr>
+          <p:cNvPr id="3" name="内容占位符 2">
+            <a:extLst>
+              <a:ext uri="{FF2B5EF4-FFF2-40B4-BE49-F238E27FC236}">
+                <a16:creationId xmlns:a16="http://schemas.microsoft.com/office/drawing/2014/main" id="{D093F4B0-0508-4F31-821C-DFE5DA344089}"/>
+              </a:ext>
+            </a:extLst>
+          </p:cNvPr>
+          <p:cNvSpPr>
+            <a:spLocks noGrp="1"/>
+          </p:cNvSpPr>
+          <p:nvPr>
+            <p:ph idx="1"/>
+          </p:nvPr>
+        </p:nvSpPr>
+        <p:spPr>
+          <a:xfrm>
+            <a:off x="1097280" y="1845734"/>
+            <a:ext cx="10058400" cy="4504266"/>
+          </a:xfrm>
+        </p:spPr>
+        <p:txBody>
+          <a:bodyPr>
+            <a:normAutofit/>
+          </a:bodyPr>
+          <a:lstStyle/>
+          <a:p>
+            <a:pPr marL="0" lvl="0" indent="0">
+              <a:lnSpc>
+                <a:spcPct val="120000"/>
+              </a:lnSpc>
+              <a:spcBef>
+                <a:spcPts val="200"/>
+              </a:spcBef>
+              <a:buClr>
+                <a:srgbClr val="E48312"/>
+              </a:buClr>
+              <a:buNone/>
+            </a:pPr>
+            <a:r>
+              <a:rPr lang="en-US" altLang="zh-CN" sz="2800" dirty="0" err="1">
+                <a:solidFill>
+                  <a:srgbClr val="000000">
+                    <a:lumMod val="75000"/>
+                    <a:lumOff val="25000"/>
+                  </a:srgbClr>
+                </a:solidFill>
+              </a:rPr>
+              <a:t>staTime</a:t>
+            </a:r>
+            <a:r>
+              <a:rPr lang="zh-CN" altLang="en-US" sz="2800" dirty="0">
+                <a:solidFill>
+                  <a:srgbClr val="000000">
+                    <a:lumMod val="75000"/>
+                    <a:lumOff val="25000"/>
+                  </a:srgbClr>
+                </a:solidFill>
+              </a:rPr>
+              <a:t>、</a:t>
+            </a:r>
+            <a:r>
+              <a:rPr lang="en-US" altLang="zh-CN" sz="2800" dirty="0">
+                <a:solidFill>
+                  <a:srgbClr val="000000">
+                    <a:lumMod val="75000"/>
+                    <a:lumOff val="25000"/>
+                  </a:srgbClr>
+                </a:solidFill>
+              </a:rPr>
+              <a:t> </a:t>
+            </a:r>
+            <a:r>
+              <a:rPr lang="en-US" altLang="zh-CN" sz="2800" dirty="0" err="1">
+                <a:solidFill>
+                  <a:srgbClr val="000000">
+                    <a:lumMod val="75000"/>
+                    <a:lumOff val="25000"/>
+                  </a:srgbClr>
+                </a:solidFill>
+              </a:rPr>
+              <a:t>nowTime</a:t>
+            </a:r>
+            <a:r>
+              <a:rPr lang="zh-CN" altLang="en-US" sz="2800" dirty="0">
+                <a:solidFill>
+                  <a:srgbClr val="000000">
+                    <a:lumMod val="75000"/>
+                    <a:lumOff val="25000"/>
+                  </a:srgbClr>
+                </a:solidFill>
+              </a:rPr>
+              <a:t>从客户端获取</a:t>
+            </a:r>
+            <a:endParaRPr lang="en-US" altLang="zh-CN" sz="2800" dirty="0">
+              <a:solidFill>
+                <a:srgbClr val="000000">
+                  <a:lumMod val="75000"/>
+                  <a:lumOff val="25000"/>
+                </a:srgbClr>
+              </a:solidFill>
+            </a:endParaRPr>
+          </a:p>
+          <a:p>
+            <a:pPr marL="0" lvl="0" indent="0">
+              <a:lnSpc>
+                <a:spcPct val="120000"/>
+              </a:lnSpc>
+              <a:spcBef>
+                <a:spcPts val="200"/>
+              </a:spcBef>
+              <a:buClr>
+                <a:srgbClr val="E48312"/>
+              </a:buClr>
+              <a:buNone/>
+            </a:pPr>
+            <a:endParaRPr lang="en-US" altLang="zh-CN" sz="2800" dirty="0">
+              <a:solidFill>
+                <a:srgbClr val="000000">
+                  <a:lumMod val="75000"/>
+                  <a:lumOff val="25000"/>
+                </a:srgbClr>
+              </a:solidFill>
+            </a:endParaRPr>
+          </a:p>
+          <a:p>
+            <a:pPr marL="0" lvl="0" indent="0">
+              <a:lnSpc>
+                <a:spcPct val="120000"/>
+              </a:lnSpc>
+              <a:spcBef>
+                <a:spcPts val="200"/>
+              </a:spcBef>
+              <a:buClr>
+                <a:srgbClr val="E48312"/>
+              </a:buClr>
+              <a:buNone/>
+            </a:pPr>
+            <a:r>
+              <a:rPr lang="zh-CN" altLang="en-US" sz="2400" dirty="0">
+                <a:solidFill>
+                  <a:srgbClr val="000000">
+                    <a:lumMod val="75000"/>
+                    <a:lumOff val="25000"/>
+                  </a:srgbClr>
+                </a:solidFill>
+              </a:rPr>
+              <a:t>客户端</a:t>
+            </a:r>
+            <a:r>
+              <a:rPr lang="en-US" altLang="zh-CN" sz="2400" dirty="0">
+                <a:solidFill>
+                  <a:srgbClr val="000000">
+                    <a:lumMod val="75000"/>
+                    <a:lumOff val="25000"/>
+                  </a:srgbClr>
+                </a:solidFill>
+              </a:rPr>
+              <a:t>C1</a:t>
+            </a:r>
+            <a:r>
+              <a:rPr lang="zh-CN" altLang="en-US" sz="2400" dirty="0">
+                <a:solidFill>
+                  <a:srgbClr val="000000">
+                    <a:lumMod val="75000"/>
+                    <a:lumOff val="25000"/>
+                  </a:srgbClr>
+                </a:solidFill>
+              </a:rPr>
+              <a:t>生成</a:t>
+            </a:r>
+            <a:r>
+              <a:rPr lang="en-US" altLang="zh-CN" sz="2400" dirty="0" err="1">
+                <a:solidFill>
+                  <a:srgbClr val="000000">
+                    <a:lumMod val="75000"/>
+                    <a:lumOff val="25000"/>
+                  </a:srgbClr>
+                </a:solidFill>
+              </a:rPr>
+              <a:t>staTime</a:t>
+            </a:r>
+            <a:r>
+              <a:rPr lang="zh-CN" altLang="en-US" sz="2400" dirty="0">
+                <a:solidFill>
+                  <a:srgbClr val="000000">
+                    <a:lumMod val="75000"/>
+                    <a:lumOff val="25000"/>
+                  </a:srgbClr>
+                </a:solidFill>
+              </a:rPr>
+              <a:t>，服务端</a:t>
+            </a:r>
+            <a:r>
+              <a:rPr lang="en-US" altLang="zh-CN" sz="2400" dirty="0">
+                <a:solidFill>
+                  <a:srgbClr val="000000">
+                    <a:lumMod val="75000"/>
+                    <a:lumOff val="25000"/>
+                  </a:srgbClr>
+                </a:solidFill>
+              </a:rPr>
+              <a:t>S</a:t>
+            </a:r>
+            <a:r>
+              <a:rPr lang="zh-CN" altLang="en-US" sz="2400" dirty="0">
+                <a:solidFill>
+                  <a:srgbClr val="000000">
+                    <a:lumMod val="75000"/>
+                    <a:lumOff val="25000"/>
+                  </a:srgbClr>
+                </a:solidFill>
+              </a:rPr>
+              <a:t>接收并保存；</a:t>
+            </a:r>
+            <a:endParaRPr lang="en-US" altLang="zh-CN" sz="2400" dirty="0">
+              <a:solidFill>
+                <a:srgbClr val="000000">
+                  <a:lumMod val="75000"/>
+                  <a:lumOff val="25000"/>
+                </a:srgbClr>
+              </a:solidFill>
+            </a:endParaRPr>
+          </a:p>
+          <a:p>
+            <a:pPr marL="0" lvl="0" indent="0">
+              <a:lnSpc>
+                <a:spcPct val="120000"/>
+              </a:lnSpc>
+              <a:spcBef>
+                <a:spcPts val="200"/>
+              </a:spcBef>
+              <a:buClr>
+                <a:srgbClr val="E48312"/>
+              </a:buClr>
+              <a:buNone/>
+            </a:pPr>
+            <a:r>
+              <a:rPr lang="zh-CN" altLang="en-US" sz="2400" dirty="0">
+                <a:solidFill>
+                  <a:srgbClr val="000000">
+                    <a:lumMod val="75000"/>
+                    <a:lumOff val="25000"/>
+                  </a:srgbClr>
+                </a:solidFill>
+              </a:rPr>
+              <a:t>客户端</a:t>
+            </a:r>
+            <a:r>
+              <a:rPr lang="en-US" altLang="zh-CN" sz="2400" dirty="0">
+                <a:solidFill>
+                  <a:srgbClr val="000000">
+                    <a:lumMod val="75000"/>
+                    <a:lumOff val="25000"/>
+                  </a:srgbClr>
+                </a:solidFill>
+              </a:rPr>
+              <a:t>C2</a:t>
+            </a:r>
+            <a:r>
+              <a:rPr lang="zh-CN" altLang="en-US" sz="2400" dirty="0">
+                <a:solidFill>
+                  <a:srgbClr val="000000">
+                    <a:lumMod val="75000"/>
+                    <a:lumOff val="25000"/>
+                  </a:srgbClr>
+                </a:solidFill>
+              </a:rPr>
+              <a:t>接收</a:t>
+            </a:r>
+            <a:r>
+              <a:rPr lang="en-US" altLang="zh-CN" sz="2400" dirty="0" err="1">
+                <a:solidFill>
+                  <a:srgbClr val="000000">
+                    <a:lumMod val="75000"/>
+                    <a:lumOff val="25000"/>
+                  </a:srgbClr>
+                </a:solidFill>
+              </a:rPr>
+              <a:t>staTime</a:t>
+            </a:r>
+            <a:r>
+              <a:rPr lang="zh-CN" altLang="en-US" sz="2400" dirty="0">
+                <a:solidFill>
+                  <a:srgbClr val="000000">
+                    <a:lumMod val="75000"/>
+                    <a:lumOff val="25000"/>
+                  </a:srgbClr>
+                </a:solidFill>
+              </a:rPr>
+              <a:t>，计算得到</a:t>
+            </a:r>
+            <a:r>
+              <a:rPr lang="en-US" altLang="zh-CN" sz="2400" dirty="0" err="1">
+                <a:solidFill>
+                  <a:srgbClr val="000000">
+                    <a:lumMod val="75000"/>
+                    <a:lumOff val="25000"/>
+                  </a:srgbClr>
+                </a:solidFill>
+              </a:rPr>
+              <a:t>endTime</a:t>
+            </a:r>
+            <a:r>
+              <a:rPr lang="zh-CN" altLang="en-US" sz="2400" dirty="0">
+                <a:solidFill>
+                  <a:srgbClr val="000000">
+                    <a:lumMod val="75000"/>
+                    <a:lumOff val="25000"/>
+                  </a:srgbClr>
+                </a:solidFill>
+              </a:rPr>
+              <a:t>、</a:t>
+            </a:r>
+            <a:r>
+              <a:rPr lang="en-US" altLang="zh-CN" sz="2400" dirty="0" err="1">
+                <a:solidFill>
+                  <a:srgbClr val="000000">
+                    <a:lumMod val="75000"/>
+                    <a:lumOff val="25000"/>
+                  </a:srgbClr>
+                </a:solidFill>
+              </a:rPr>
+              <a:t>timeLef</a:t>
+            </a:r>
+            <a:r>
+              <a:rPr lang="zh-CN" altLang="en-US" sz="2400" dirty="0">
+                <a:solidFill>
+                  <a:srgbClr val="000000">
+                    <a:lumMod val="75000"/>
+                    <a:lumOff val="25000"/>
+                  </a:srgbClr>
+                </a:solidFill>
+              </a:rPr>
+              <a:t>。</a:t>
+            </a:r>
+            <a:endParaRPr lang="en-US" altLang="zh-CN" sz="2400" dirty="0">
+              <a:solidFill>
+                <a:srgbClr val="000000">
+                  <a:lumMod val="75000"/>
+                  <a:lumOff val="25000"/>
+                </a:srgbClr>
+              </a:solidFill>
+            </a:endParaRPr>
+          </a:p>
+          <a:p>
+            <a:pPr marL="0" lvl="0" indent="0">
+              <a:lnSpc>
+                <a:spcPct val="120000"/>
+              </a:lnSpc>
+              <a:spcBef>
+                <a:spcPts val="200"/>
+              </a:spcBef>
+              <a:buClr>
+                <a:srgbClr val="E48312"/>
+              </a:buClr>
+              <a:buNone/>
+            </a:pPr>
+            <a:endParaRPr lang="en-US" altLang="zh-CN" sz="2400" dirty="0">
+              <a:solidFill>
+                <a:srgbClr val="000000">
+                  <a:lumMod val="75000"/>
+                  <a:lumOff val="25000"/>
+                </a:srgbClr>
+              </a:solidFill>
+            </a:endParaRPr>
+          </a:p>
+          <a:p>
+            <a:pPr marL="0" lvl="0" indent="0">
+              <a:lnSpc>
+                <a:spcPct val="120000"/>
+              </a:lnSpc>
+              <a:spcBef>
+                <a:spcPts val="200"/>
+              </a:spcBef>
+              <a:buClr>
+                <a:srgbClr val="E48312"/>
+              </a:buClr>
+              <a:buNone/>
+            </a:pPr>
+            <a:r>
+              <a:rPr lang="zh-CN" altLang="en-US" sz="2400" dirty="0">
+                <a:solidFill>
+                  <a:srgbClr val="000000">
+                    <a:lumMod val="75000"/>
+                    <a:lumOff val="25000"/>
+                  </a:srgbClr>
+                </a:solidFill>
+              </a:rPr>
+              <a:t>优点：客户端</a:t>
+            </a:r>
+            <a:r>
+              <a:rPr lang="en-US" altLang="zh-CN" sz="2400" dirty="0">
+                <a:solidFill>
+                  <a:srgbClr val="000000">
+                    <a:lumMod val="75000"/>
+                    <a:lumOff val="25000"/>
+                  </a:srgbClr>
+                </a:solidFill>
+              </a:rPr>
+              <a:t>C1</a:t>
+            </a:r>
+            <a:r>
+              <a:rPr lang="zh-CN" altLang="en-US" sz="2400" dirty="0">
+                <a:solidFill>
+                  <a:srgbClr val="000000">
+                    <a:lumMod val="75000"/>
+                    <a:lumOff val="25000"/>
+                  </a:srgbClr>
+                </a:solidFill>
+              </a:rPr>
+              <a:t>、</a:t>
+            </a:r>
+            <a:r>
+              <a:rPr lang="en-US" altLang="zh-CN" sz="2400" dirty="0">
+                <a:solidFill>
+                  <a:srgbClr val="000000">
+                    <a:lumMod val="75000"/>
+                    <a:lumOff val="25000"/>
+                  </a:srgbClr>
+                </a:solidFill>
+              </a:rPr>
+              <a:t>C2</a:t>
+            </a:r>
+            <a:r>
+              <a:rPr lang="zh-CN" altLang="en-US" sz="2400" dirty="0">
+                <a:solidFill>
+                  <a:srgbClr val="000000">
+                    <a:lumMod val="75000"/>
+                    <a:lumOff val="25000"/>
+                  </a:srgbClr>
+                </a:solidFill>
+              </a:rPr>
+              <a:t>可以获取当地时区，以获得当地时间</a:t>
+            </a:r>
+            <a:endParaRPr lang="en-US" altLang="zh-CN" sz="2400" dirty="0">
+              <a:solidFill>
+                <a:srgbClr val="000000">
+                  <a:lumMod val="75000"/>
+                  <a:lumOff val="25000"/>
+                </a:srgbClr>
+              </a:solidFill>
+            </a:endParaRPr>
+          </a:p>
+          <a:p>
+            <a:pPr marL="0" lvl="0" indent="0">
+              <a:lnSpc>
+                <a:spcPct val="120000"/>
+              </a:lnSpc>
+              <a:spcBef>
+                <a:spcPts val="200"/>
+              </a:spcBef>
+              <a:buClr>
+                <a:srgbClr val="E48312"/>
+              </a:buClr>
+              <a:buNone/>
+            </a:pPr>
+            <a:endParaRPr lang="en-US" altLang="zh-CN" sz="2400" dirty="0">
+              <a:solidFill>
+                <a:srgbClr val="000000">
+                  <a:lumMod val="75000"/>
+                  <a:lumOff val="25000"/>
+                </a:srgbClr>
+              </a:solidFill>
+            </a:endParaRPr>
+          </a:p>
+          <a:p>
+            <a:pPr marL="0" lvl="0" indent="0">
+              <a:lnSpc>
+                <a:spcPct val="120000"/>
+              </a:lnSpc>
+              <a:spcBef>
+                <a:spcPts val="200"/>
+              </a:spcBef>
+              <a:buClr>
+                <a:srgbClr val="E48312"/>
+              </a:buClr>
+              <a:buNone/>
+            </a:pPr>
+            <a:r>
+              <a:rPr lang="zh-CN" altLang="en-US" sz="2400" dirty="0">
+                <a:solidFill>
+                  <a:srgbClr val="000000">
+                    <a:lumMod val="75000"/>
+                    <a:lumOff val="25000"/>
+                  </a:srgbClr>
+                </a:solidFill>
+              </a:rPr>
+              <a:t>缺点：客户端</a:t>
+            </a:r>
+            <a:r>
+              <a:rPr lang="en-US" altLang="zh-CN" sz="2400" dirty="0">
+                <a:solidFill>
+                  <a:srgbClr val="000000">
+                    <a:lumMod val="75000"/>
+                    <a:lumOff val="25000"/>
+                  </a:srgbClr>
+                </a:solidFill>
+              </a:rPr>
+              <a:t>C1</a:t>
+            </a:r>
+            <a:r>
+              <a:rPr lang="zh-CN" altLang="en-US" sz="2400" dirty="0">
+                <a:solidFill>
+                  <a:srgbClr val="000000">
+                    <a:lumMod val="75000"/>
+                    <a:lumOff val="25000"/>
+                  </a:srgbClr>
+                </a:solidFill>
+              </a:rPr>
+              <a:t>、</a:t>
+            </a:r>
+            <a:r>
+              <a:rPr lang="en-US" altLang="zh-CN" sz="2400" dirty="0">
+                <a:solidFill>
+                  <a:srgbClr val="000000">
+                    <a:lumMod val="75000"/>
+                    <a:lumOff val="25000"/>
+                  </a:srgbClr>
+                </a:solidFill>
+              </a:rPr>
+              <a:t>C2</a:t>
+            </a:r>
+            <a:r>
+              <a:rPr lang="zh-CN" altLang="en-US" sz="2400" dirty="0">
+                <a:solidFill>
+                  <a:srgbClr val="000000">
+                    <a:lumMod val="75000"/>
+                    <a:lumOff val="25000"/>
+                  </a:srgbClr>
+                </a:solidFill>
+              </a:rPr>
+              <a:t>时间获取自本地系统，可能存在偏差</a:t>
+            </a:r>
+            <a:endParaRPr lang="en-US" altLang="zh-CN" sz="2400" dirty="0">
+              <a:solidFill>
+                <a:srgbClr val="000000">
+                  <a:lumMod val="75000"/>
+                  <a:lumOff val="25000"/>
+                </a:srgbClr>
+              </a:solidFill>
+            </a:endParaRPr>
+          </a:p>
+          <a:p>
+            <a:pPr marL="0" lvl="0" indent="0">
+              <a:lnSpc>
+                <a:spcPct val="120000"/>
+              </a:lnSpc>
+              <a:spcBef>
+                <a:spcPts val="200"/>
+              </a:spcBef>
+              <a:buClr>
+                <a:srgbClr val="E48312"/>
+              </a:buClr>
+              <a:buNone/>
+            </a:pPr>
+            <a:endParaRPr lang="en-US" altLang="zh-CN" sz="2800" dirty="0">
+              <a:solidFill>
+                <a:srgbClr val="000000">
+                  <a:lumMod val="75000"/>
+                  <a:lumOff val="25000"/>
+                </a:srgbClr>
+              </a:solidFill>
+            </a:endParaRPr>
+          </a:p>
+          <a:p>
+            <a:pPr marL="0" indent="0">
+              <a:lnSpc>
+                <a:spcPct val="120000"/>
+              </a:lnSpc>
+              <a:spcBef>
+                <a:spcPts val="200"/>
+              </a:spcBef>
+              <a:buClr>
+                <a:srgbClr val="E48312"/>
+              </a:buClr>
+              <a:buNone/>
+            </a:pPr>
+            <a:endParaRPr lang="en-US" altLang="zh-CN" sz="2800" dirty="0">
+              <a:solidFill>
+                <a:srgbClr val="000000">
+                  <a:lumMod val="75000"/>
+                  <a:lumOff val="25000"/>
+                </a:srgbClr>
+              </a:solidFill>
+            </a:endParaRPr>
+          </a:p>
+          <a:p>
+            <a:pPr marL="457200" lvl="0" indent="-457200">
+              <a:lnSpc>
+                <a:spcPct val="120000"/>
+              </a:lnSpc>
+              <a:spcBef>
+                <a:spcPts val="200"/>
+              </a:spcBef>
+              <a:buClr>
+                <a:srgbClr val="E48312"/>
+              </a:buClr>
+              <a:buFont typeface="+mj-lt"/>
+              <a:buAutoNum type="arabicPeriod"/>
+            </a:pPr>
+            <a:endParaRPr lang="en-US" altLang="zh-CN" sz="2800" dirty="0">
+              <a:solidFill>
+                <a:srgbClr val="000000">
+                  <a:lumMod val="75000"/>
+                  <a:lumOff val="25000"/>
+                </a:srgbClr>
+              </a:solidFill>
+            </a:endParaRPr>
+          </a:p>
+        </p:txBody>
+      </p:sp>
+    </p:spTree>
+    <p:extLst>
+      <p:ext uri="{BB962C8B-B14F-4D97-AF65-F5344CB8AC3E}">
+        <p14:creationId xmlns:p14="http://schemas.microsoft.com/office/powerpoint/2010/main" val="667779126"/>
+      </p:ext>
+    </p:extLst>
+  </p:cSld>
+  <p:clrMapOvr>
+    <a:masterClrMapping/>
+  </p:clrMapOvr>
+</p:sld>
+</file>
+
+<file path=ppt/slides/slide12.xml><?xml version="1.0" encoding="utf-8"?>
+<p:sld xmlns:a="http://schemas.openxmlformats.org/drawingml/2006/main" xmlns:r="http://schemas.openxmlformats.org/officeDocument/2006/relationships" xmlns:p="http://schemas.openxmlformats.org/presentationml/2006/main">
+  <p:cSld>
+    <p:spTree>
+      <p:nvGrpSpPr>
+        <p:cNvPr id="1" name=""/>
+        <p:cNvGrpSpPr/>
+        <p:nvPr/>
+      </p:nvGrpSpPr>
+      <p:grpSpPr>
+        <a:xfrm>
+          <a:off x="0" y="0"/>
+          <a:ext cx="0" cy="0"/>
+          <a:chOff x="0" y="0"/>
+          <a:chExt cx="0" cy="0"/>
+        </a:xfrm>
+      </p:grpSpPr>
+      <p:sp>
+        <p:nvSpPr>
+          <p:cNvPr id="2" name="标题 1">
+            <a:extLst>
+              <a:ext uri="{FF2B5EF4-FFF2-40B4-BE49-F238E27FC236}">
+                <a16:creationId xmlns:a16="http://schemas.microsoft.com/office/drawing/2014/main" id="{9176990D-DEC9-4D8B-94CD-4826B9799692}"/>
+              </a:ext>
+            </a:extLst>
+          </p:cNvPr>
+          <p:cNvSpPr>
+            <a:spLocks noGrp="1"/>
+          </p:cNvSpPr>
+          <p:nvPr>
+            <p:ph type="title"/>
+          </p:nvPr>
+        </p:nvSpPr>
+        <p:spPr/>
+        <p:txBody>
+          <a:bodyPr/>
+          <a:lstStyle/>
+          <a:p>
+            <a:r>
+              <a:rPr lang="zh-CN" altLang="en-US" dirty="0"/>
+              <a:t>时间信息的获取</a:t>
+            </a:r>
+            <a:r>
+              <a:rPr lang="en-US" altLang="zh-CN" dirty="0"/>
+              <a:t>/</a:t>
+            </a:r>
+            <a:r>
+              <a:rPr lang="zh-CN" altLang="en-US" dirty="0"/>
+              <a:t>计算</a:t>
+            </a:r>
+          </a:p>
+        </p:txBody>
+      </p:sp>
+      <p:sp>
+        <p:nvSpPr>
+          <p:cNvPr id="3" name="内容占位符 2">
+            <a:extLst>
+              <a:ext uri="{FF2B5EF4-FFF2-40B4-BE49-F238E27FC236}">
+                <a16:creationId xmlns:a16="http://schemas.microsoft.com/office/drawing/2014/main" id="{D093F4B0-0508-4F31-821C-DFE5DA344089}"/>
+              </a:ext>
+            </a:extLst>
+          </p:cNvPr>
+          <p:cNvSpPr>
+            <a:spLocks noGrp="1"/>
+          </p:cNvSpPr>
+          <p:nvPr>
+            <p:ph idx="1"/>
+          </p:nvPr>
+        </p:nvSpPr>
+        <p:spPr>
+          <a:xfrm>
+            <a:off x="1097280" y="1845734"/>
+            <a:ext cx="10058400" cy="4504266"/>
+          </a:xfrm>
+        </p:spPr>
+        <p:txBody>
+          <a:bodyPr>
+            <a:normAutofit/>
+          </a:bodyPr>
+          <a:lstStyle/>
+          <a:p>
+            <a:pPr marL="0" lvl="0" indent="0">
+              <a:lnSpc>
+                <a:spcPct val="120000"/>
+              </a:lnSpc>
+              <a:spcBef>
+                <a:spcPts val="200"/>
+              </a:spcBef>
+              <a:buClr>
+                <a:srgbClr val="E48312"/>
+              </a:buClr>
+              <a:buNone/>
+            </a:pPr>
+            <a:r>
+              <a:rPr lang="en-US" altLang="zh-CN" sz="2800" dirty="0" err="1">
+                <a:solidFill>
+                  <a:srgbClr val="000000">
+                    <a:lumMod val="75000"/>
+                    <a:lumOff val="25000"/>
+                  </a:srgbClr>
+                </a:solidFill>
+              </a:rPr>
+              <a:t>staTime</a:t>
+            </a:r>
+            <a:r>
+              <a:rPr lang="zh-CN" altLang="en-US" sz="2800" dirty="0">
+                <a:solidFill>
+                  <a:srgbClr val="000000">
+                    <a:lumMod val="75000"/>
+                    <a:lumOff val="25000"/>
+                  </a:srgbClr>
+                </a:solidFill>
+              </a:rPr>
+              <a:t>从服务端获取，</a:t>
+            </a:r>
+            <a:r>
+              <a:rPr lang="en-US" altLang="zh-CN" sz="2800" dirty="0">
+                <a:solidFill>
+                  <a:srgbClr val="000000">
+                    <a:lumMod val="75000"/>
+                    <a:lumOff val="25000"/>
+                  </a:srgbClr>
+                </a:solidFill>
+              </a:rPr>
+              <a:t> </a:t>
+            </a:r>
+            <a:r>
+              <a:rPr lang="en-US" altLang="zh-CN" sz="2800" dirty="0" err="1">
+                <a:solidFill>
+                  <a:srgbClr val="000000">
+                    <a:lumMod val="75000"/>
+                    <a:lumOff val="25000"/>
+                  </a:srgbClr>
+                </a:solidFill>
+              </a:rPr>
+              <a:t>nowTime</a:t>
+            </a:r>
+            <a:r>
+              <a:rPr lang="zh-CN" altLang="en-US" sz="2800" dirty="0">
+                <a:solidFill>
+                  <a:srgbClr val="000000">
+                    <a:lumMod val="75000"/>
+                    <a:lumOff val="25000"/>
+                  </a:srgbClr>
+                </a:solidFill>
+              </a:rPr>
+              <a:t>从客户端获取</a:t>
+            </a:r>
+            <a:endParaRPr lang="en-US" altLang="zh-CN" sz="2800" dirty="0">
+              <a:solidFill>
+                <a:srgbClr val="000000">
+                  <a:lumMod val="75000"/>
+                  <a:lumOff val="25000"/>
+                </a:srgbClr>
+              </a:solidFill>
+            </a:endParaRPr>
+          </a:p>
+          <a:p>
+            <a:pPr marL="0" lvl="0" indent="0">
+              <a:lnSpc>
+                <a:spcPct val="120000"/>
+              </a:lnSpc>
+              <a:spcBef>
+                <a:spcPts val="200"/>
+              </a:spcBef>
+              <a:buClr>
+                <a:srgbClr val="E48312"/>
+              </a:buClr>
+              <a:buNone/>
+            </a:pPr>
+            <a:endParaRPr lang="en-US" altLang="zh-CN" sz="2800" dirty="0">
+              <a:solidFill>
+                <a:srgbClr val="000000">
+                  <a:lumMod val="75000"/>
+                  <a:lumOff val="25000"/>
+                </a:srgbClr>
+              </a:solidFill>
+            </a:endParaRPr>
+          </a:p>
+          <a:p>
+            <a:pPr marL="0" lvl="0" indent="0">
+              <a:lnSpc>
+                <a:spcPct val="120000"/>
+              </a:lnSpc>
+              <a:spcBef>
+                <a:spcPts val="200"/>
+              </a:spcBef>
+              <a:buClr>
+                <a:srgbClr val="E48312"/>
+              </a:buClr>
+              <a:buNone/>
+            </a:pPr>
+            <a:r>
+              <a:rPr lang="zh-CN" altLang="en-US" sz="2400" dirty="0">
+                <a:solidFill>
+                  <a:srgbClr val="000000">
+                    <a:lumMod val="75000"/>
+                    <a:lumOff val="25000"/>
+                  </a:srgbClr>
+                </a:solidFill>
+              </a:rPr>
+              <a:t>服务端</a:t>
+            </a:r>
+            <a:r>
+              <a:rPr lang="en-US" altLang="zh-CN" sz="2400" dirty="0">
+                <a:solidFill>
+                  <a:srgbClr val="000000">
+                    <a:lumMod val="75000"/>
+                    <a:lumOff val="25000"/>
+                  </a:srgbClr>
+                </a:solidFill>
+              </a:rPr>
+              <a:t>S</a:t>
+            </a:r>
+            <a:r>
+              <a:rPr lang="zh-CN" altLang="en-US" sz="2400" dirty="0">
+                <a:solidFill>
+                  <a:srgbClr val="000000">
+                    <a:lumMod val="75000"/>
+                    <a:lumOff val="25000"/>
+                  </a:srgbClr>
+                </a:solidFill>
+              </a:rPr>
+              <a:t>生成</a:t>
+            </a:r>
+            <a:r>
+              <a:rPr lang="en-US" altLang="zh-CN" sz="2400" dirty="0" err="1">
+                <a:solidFill>
+                  <a:srgbClr val="000000">
+                    <a:lumMod val="75000"/>
+                    <a:lumOff val="25000"/>
+                  </a:srgbClr>
+                </a:solidFill>
+              </a:rPr>
+              <a:t>staTime</a:t>
+            </a:r>
+            <a:r>
+              <a:rPr lang="zh-CN" altLang="en-US" sz="2400" dirty="0">
+                <a:solidFill>
+                  <a:srgbClr val="000000">
+                    <a:lumMod val="75000"/>
+                    <a:lumOff val="25000"/>
+                  </a:srgbClr>
+                </a:solidFill>
+              </a:rPr>
+              <a:t>并保存；</a:t>
+            </a:r>
+            <a:endParaRPr lang="en-US" altLang="zh-CN" sz="2400" dirty="0">
+              <a:solidFill>
+                <a:srgbClr val="000000">
+                  <a:lumMod val="75000"/>
+                  <a:lumOff val="25000"/>
+                </a:srgbClr>
+              </a:solidFill>
+            </a:endParaRPr>
+          </a:p>
+          <a:p>
+            <a:pPr marL="0" lvl="0" indent="0">
+              <a:lnSpc>
+                <a:spcPct val="120000"/>
+              </a:lnSpc>
+              <a:spcBef>
+                <a:spcPts val="200"/>
+              </a:spcBef>
+              <a:buClr>
+                <a:srgbClr val="E48312"/>
+              </a:buClr>
+              <a:buNone/>
+            </a:pPr>
+            <a:r>
+              <a:rPr lang="zh-CN" altLang="en-US" sz="2400" dirty="0">
+                <a:solidFill>
+                  <a:srgbClr val="000000">
+                    <a:lumMod val="75000"/>
+                    <a:lumOff val="25000"/>
+                  </a:srgbClr>
+                </a:solidFill>
+              </a:rPr>
+              <a:t>客户端</a:t>
+            </a:r>
+            <a:r>
+              <a:rPr lang="en-US" altLang="zh-CN" sz="2400" dirty="0">
+                <a:solidFill>
+                  <a:srgbClr val="000000">
+                    <a:lumMod val="75000"/>
+                    <a:lumOff val="25000"/>
+                  </a:srgbClr>
+                </a:solidFill>
+              </a:rPr>
+              <a:t>C2</a:t>
+            </a:r>
+            <a:r>
+              <a:rPr lang="zh-CN" altLang="en-US" sz="2400" dirty="0">
+                <a:solidFill>
+                  <a:srgbClr val="000000">
+                    <a:lumMod val="75000"/>
+                    <a:lumOff val="25000"/>
+                  </a:srgbClr>
+                </a:solidFill>
+              </a:rPr>
+              <a:t>接收</a:t>
+            </a:r>
+            <a:r>
+              <a:rPr lang="en-US" altLang="zh-CN" sz="2400" dirty="0" err="1">
+                <a:solidFill>
+                  <a:srgbClr val="000000">
+                    <a:lumMod val="75000"/>
+                    <a:lumOff val="25000"/>
+                  </a:srgbClr>
+                </a:solidFill>
+              </a:rPr>
+              <a:t>staTime</a:t>
+            </a:r>
+            <a:r>
+              <a:rPr lang="zh-CN" altLang="en-US" sz="2400" dirty="0">
+                <a:solidFill>
+                  <a:srgbClr val="000000">
+                    <a:lumMod val="75000"/>
+                    <a:lumOff val="25000"/>
+                  </a:srgbClr>
+                </a:solidFill>
+              </a:rPr>
+              <a:t>，计算得到</a:t>
+            </a:r>
+            <a:r>
+              <a:rPr lang="en-US" altLang="zh-CN" sz="2400" dirty="0" err="1">
+                <a:solidFill>
+                  <a:srgbClr val="000000">
+                    <a:lumMod val="75000"/>
+                    <a:lumOff val="25000"/>
+                  </a:srgbClr>
+                </a:solidFill>
+              </a:rPr>
+              <a:t>endTime</a:t>
+            </a:r>
+            <a:r>
+              <a:rPr lang="zh-CN" altLang="en-US" sz="2400" dirty="0">
+                <a:solidFill>
+                  <a:srgbClr val="000000">
+                    <a:lumMod val="75000"/>
+                    <a:lumOff val="25000"/>
+                  </a:srgbClr>
+                </a:solidFill>
+              </a:rPr>
+              <a:t>、</a:t>
+            </a:r>
+            <a:r>
+              <a:rPr lang="en-US" altLang="zh-CN" sz="2400" dirty="0">
+                <a:solidFill>
+                  <a:srgbClr val="000000">
+                    <a:lumMod val="75000"/>
+                    <a:lumOff val="25000"/>
+                  </a:srgbClr>
+                </a:solidFill>
+              </a:rPr>
+              <a:t> </a:t>
+            </a:r>
+            <a:r>
+              <a:rPr lang="en-US" altLang="zh-CN" sz="2400" dirty="0" err="1">
+                <a:solidFill>
+                  <a:srgbClr val="000000">
+                    <a:lumMod val="75000"/>
+                    <a:lumOff val="25000"/>
+                  </a:srgbClr>
+                </a:solidFill>
+              </a:rPr>
+              <a:t>timeLef</a:t>
+            </a:r>
+            <a:r>
+              <a:rPr lang="zh-CN" altLang="en-US" sz="2400" dirty="0">
+                <a:solidFill>
+                  <a:srgbClr val="000000">
+                    <a:lumMod val="75000"/>
+                    <a:lumOff val="25000"/>
+                  </a:srgbClr>
+                </a:solidFill>
+              </a:rPr>
+              <a:t>。</a:t>
+            </a:r>
+            <a:endParaRPr lang="en-US" altLang="zh-CN" sz="2400" dirty="0">
+              <a:solidFill>
+                <a:srgbClr val="000000">
+                  <a:lumMod val="75000"/>
+                  <a:lumOff val="25000"/>
+                </a:srgbClr>
+              </a:solidFill>
+            </a:endParaRPr>
+          </a:p>
+          <a:p>
+            <a:pPr marL="0" lvl="0" indent="0">
+              <a:lnSpc>
+                <a:spcPct val="120000"/>
+              </a:lnSpc>
+              <a:spcBef>
+                <a:spcPts val="200"/>
+              </a:spcBef>
+              <a:buClr>
+                <a:srgbClr val="E48312"/>
+              </a:buClr>
+              <a:buNone/>
+            </a:pPr>
+            <a:endParaRPr lang="en-US" altLang="zh-CN" sz="2400" dirty="0">
+              <a:solidFill>
+                <a:srgbClr val="000000">
+                  <a:lumMod val="75000"/>
+                  <a:lumOff val="25000"/>
+                </a:srgbClr>
+              </a:solidFill>
+            </a:endParaRPr>
+          </a:p>
+          <a:p>
+            <a:pPr marL="0" lvl="0" indent="0">
+              <a:lnSpc>
+                <a:spcPct val="120000"/>
+              </a:lnSpc>
+              <a:spcBef>
+                <a:spcPts val="200"/>
+              </a:spcBef>
+              <a:buClr>
+                <a:srgbClr val="E48312"/>
+              </a:buClr>
+              <a:buNone/>
+            </a:pPr>
+            <a:r>
+              <a:rPr lang="zh-CN" altLang="en-US" sz="2400" dirty="0">
+                <a:solidFill>
+                  <a:srgbClr val="000000">
+                    <a:lumMod val="75000"/>
+                    <a:lumOff val="25000"/>
+                  </a:srgbClr>
+                </a:solidFill>
+              </a:rPr>
+              <a:t>优点：客户端</a:t>
+            </a:r>
+            <a:r>
+              <a:rPr lang="en-US" altLang="zh-CN" sz="2400" dirty="0">
+                <a:solidFill>
+                  <a:srgbClr val="000000">
+                    <a:lumMod val="75000"/>
+                    <a:lumOff val="25000"/>
+                  </a:srgbClr>
+                </a:solidFill>
+              </a:rPr>
+              <a:t>C2</a:t>
+            </a:r>
+            <a:r>
+              <a:rPr lang="zh-CN" altLang="en-US" sz="2400" dirty="0">
+                <a:solidFill>
+                  <a:srgbClr val="000000">
+                    <a:lumMod val="75000"/>
+                    <a:lumOff val="25000"/>
+                  </a:srgbClr>
+                </a:solidFill>
+              </a:rPr>
+              <a:t>可以获取当地时区，以获得当地时间</a:t>
+            </a:r>
+            <a:endParaRPr lang="en-US" altLang="zh-CN" sz="2400" dirty="0">
+              <a:solidFill>
+                <a:srgbClr val="000000">
+                  <a:lumMod val="75000"/>
+                  <a:lumOff val="25000"/>
+                </a:srgbClr>
+              </a:solidFill>
+            </a:endParaRPr>
+          </a:p>
+          <a:p>
+            <a:pPr marL="0" lvl="0" indent="0">
+              <a:lnSpc>
+                <a:spcPct val="120000"/>
+              </a:lnSpc>
+              <a:spcBef>
+                <a:spcPts val="200"/>
+              </a:spcBef>
+              <a:buClr>
+                <a:srgbClr val="E48312"/>
+              </a:buClr>
+              <a:buNone/>
+            </a:pPr>
+            <a:endParaRPr lang="en-US" altLang="zh-CN" sz="2400" dirty="0">
+              <a:solidFill>
+                <a:srgbClr val="000000">
+                  <a:lumMod val="75000"/>
+                  <a:lumOff val="25000"/>
+                </a:srgbClr>
+              </a:solidFill>
+            </a:endParaRPr>
+          </a:p>
+          <a:p>
+            <a:pPr marL="0" lvl="0" indent="0">
+              <a:lnSpc>
+                <a:spcPct val="120000"/>
+              </a:lnSpc>
+              <a:spcBef>
+                <a:spcPts val="200"/>
+              </a:spcBef>
+              <a:buClr>
+                <a:srgbClr val="E48312"/>
+              </a:buClr>
+              <a:buNone/>
+            </a:pPr>
+            <a:r>
+              <a:rPr lang="zh-CN" altLang="en-US" sz="2400" dirty="0">
+                <a:solidFill>
+                  <a:srgbClr val="000000">
+                    <a:lumMod val="75000"/>
+                    <a:lumOff val="25000"/>
+                  </a:srgbClr>
+                </a:solidFill>
+              </a:rPr>
+              <a:t>缺点：客户端</a:t>
+            </a:r>
+            <a:r>
+              <a:rPr lang="en-US" altLang="zh-CN" sz="2400" dirty="0">
+                <a:solidFill>
+                  <a:srgbClr val="000000">
+                    <a:lumMod val="75000"/>
+                    <a:lumOff val="25000"/>
+                  </a:srgbClr>
+                </a:solidFill>
+              </a:rPr>
+              <a:t>C2</a:t>
+            </a:r>
+            <a:r>
+              <a:rPr lang="zh-CN" altLang="en-US" sz="2400" dirty="0">
+                <a:solidFill>
+                  <a:srgbClr val="000000">
+                    <a:lumMod val="75000"/>
+                    <a:lumOff val="25000"/>
+                  </a:srgbClr>
+                </a:solidFill>
+              </a:rPr>
+              <a:t>时间获取自本地系统，可能存在偏差</a:t>
+            </a:r>
+            <a:endParaRPr lang="en-US" altLang="zh-CN" sz="2400" dirty="0">
+              <a:solidFill>
+                <a:srgbClr val="000000">
+                  <a:lumMod val="75000"/>
+                  <a:lumOff val="25000"/>
+                </a:srgbClr>
+              </a:solidFill>
+            </a:endParaRPr>
+          </a:p>
+          <a:p>
+            <a:pPr marL="0" lvl="0" indent="0">
+              <a:lnSpc>
+                <a:spcPct val="120000"/>
+              </a:lnSpc>
+              <a:spcBef>
+                <a:spcPts val="200"/>
+              </a:spcBef>
+              <a:buClr>
+                <a:srgbClr val="E48312"/>
+              </a:buClr>
+              <a:buNone/>
+            </a:pPr>
+            <a:endParaRPr lang="en-US" altLang="zh-CN" sz="2800" dirty="0">
+              <a:solidFill>
+                <a:srgbClr val="000000">
+                  <a:lumMod val="75000"/>
+                  <a:lumOff val="25000"/>
+                </a:srgbClr>
+              </a:solidFill>
+            </a:endParaRPr>
+          </a:p>
+          <a:p>
+            <a:pPr marL="0" indent="0">
+              <a:lnSpc>
+                <a:spcPct val="120000"/>
+              </a:lnSpc>
+              <a:spcBef>
+                <a:spcPts val="200"/>
+              </a:spcBef>
+              <a:buClr>
+                <a:srgbClr val="E48312"/>
+              </a:buClr>
+              <a:buNone/>
+            </a:pPr>
+            <a:endParaRPr lang="en-US" altLang="zh-CN" sz="2800" dirty="0">
+              <a:solidFill>
+                <a:srgbClr val="000000">
+                  <a:lumMod val="75000"/>
+                  <a:lumOff val="25000"/>
+                </a:srgbClr>
+              </a:solidFill>
+            </a:endParaRPr>
+          </a:p>
+          <a:p>
+            <a:pPr marL="457200" lvl="0" indent="-457200">
+              <a:lnSpc>
+                <a:spcPct val="120000"/>
+              </a:lnSpc>
+              <a:spcBef>
+                <a:spcPts val="200"/>
+              </a:spcBef>
+              <a:buClr>
+                <a:srgbClr val="E48312"/>
+              </a:buClr>
+              <a:buFont typeface="+mj-lt"/>
+              <a:buAutoNum type="arabicPeriod"/>
+            </a:pPr>
+            <a:endParaRPr lang="en-US" altLang="zh-CN" sz="2800" dirty="0">
+              <a:solidFill>
+                <a:srgbClr val="000000">
+                  <a:lumMod val="75000"/>
+                  <a:lumOff val="25000"/>
+                </a:srgbClr>
+              </a:solidFill>
+            </a:endParaRPr>
+          </a:p>
+        </p:txBody>
+      </p:sp>
+    </p:spTree>
+    <p:extLst>
+      <p:ext uri="{BB962C8B-B14F-4D97-AF65-F5344CB8AC3E}">
+        <p14:creationId xmlns:p14="http://schemas.microsoft.com/office/powerpoint/2010/main" val="246023450"/>
+      </p:ext>
+    </p:extLst>
+  </p:cSld>
+  <p:clrMapOvr>
+    <a:masterClrMapping/>
+  </p:clrMapOvr>
+</p:sld>
+</file>
+
+<file path=ppt/slides/slide13.xml><?xml version="1.0" encoding="utf-8"?>
+<p:sld xmlns:a="http://schemas.openxmlformats.org/drawingml/2006/main" xmlns:r="http://schemas.openxmlformats.org/officeDocument/2006/relationships" xmlns:p="http://schemas.openxmlformats.org/presentationml/2006/main">
+  <p:cSld>
+    <p:spTree>
+      <p:nvGrpSpPr>
+        <p:cNvPr id="1" name=""/>
+        <p:cNvGrpSpPr/>
+        <p:nvPr/>
+      </p:nvGrpSpPr>
+      <p:grpSpPr>
+        <a:xfrm>
+          <a:off x="0" y="0"/>
+          <a:ext cx="0" cy="0"/>
+          <a:chOff x="0" y="0"/>
+          <a:chExt cx="0" cy="0"/>
+        </a:xfrm>
+      </p:grpSpPr>
+      <p:sp>
+        <p:nvSpPr>
+          <p:cNvPr id="2" name="标题 1">
+            <a:extLst>
+              <a:ext uri="{FF2B5EF4-FFF2-40B4-BE49-F238E27FC236}">
+                <a16:creationId xmlns:a16="http://schemas.microsoft.com/office/drawing/2014/main" id="{9176990D-DEC9-4D8B-94CD-4826B9799692}"/>
+              </a:ext>
+            </a:extLst>
+          </p:cNvPr>
+          <p:cNvSpPr>
+            <a:spLocks noGrp="1"/>
+          </p:cNvSpPr>
+          <p:nvPr>
+            <p:ph type="title"/>
+          </p:nvPr>
+        </p:nvSpPr>
+        <p:spPr/>
+        <p:txBody>
+          <a:bodyPr/>
+          <a:lstStyle/>
+          <a:p>
+            <a:r>
+              <a:rPr lang="zh-CN" altLang="en-US" dirty="0"/>
+              <a:t>时间信息的获取</a:t>
+            </a:r>
+            <a:r>
+              <a:rPr lang="en-US" altLang="zh-CN" dirty="0"/>
+              <a:t>/</a:t>
+            </a:r>
+            <a:r>
+              <a:rPr lang="zh-CN" altLang="en-US" dirty="0"/>
+              <a:t>计算</a:t>
+            </a:r>
+          </a:p>
+        </p:txBody>
+      </p:sp>
+      <p:sp>
+        <p:nvSpPr>
+          <p:cNvPr id="3" name="内容占位符 2">
+            <a:extLst>
+              <a:ext uri="{FF2B5EF4-FFF2-40B4-BE49-F238E27FC236}">
+                <a16:creationId xmlns:a16="http://schemas.microsoft.com/office/drawing/2014/main" id="{D093F4B0-0508-4F31-821C-DFE5DA344089}"/>
+              </a:ext>
+            </a:extLst>
+          </p:cNvPr>
+          <p:cNvSpPr>
+            <a:spLocks noGrp="1"/>
+          </p:cNvSpPr>
+          <p:nvPr>
+            <p:ph idx="1"/>
+          </p:nvPr>
+        </p:nvSpPr>
+        <p:spPr>
+          <a:xfrm>
+            <a:off x="1097280" y="1845734"/>
+            <a:ext cx="10058400" cy="4504266"/>
+          </a:xfrm>
+        </p:spPr>
+        <p:txBody>
+          <a:bodyPr>
+            <a:normAutofit/>
+          </a:bodyPr>
+          <a:lstStyle/>
+          <a:p>
+            <a:pPr marL="0" lvl="0" indent="0">
+              <a:lnSpc>
+                <a:spcPct val="120000"/>
+              </a:lnSpc>
+              <a:spcBef>
+                <a:spcPts val="200"/>
+              </a:spcBef>
+              <a:buClr>
+                <a:srgbClr val="E48312"/>
+              </a:buClr>
+              <a:buNone/>
+            </a:pPr>
+            <a:r>
+              <a:rPr lang="en-US" altLang="zh-CN" sz="2800" dirty="0" err="1">
+                <a:solidFill>
+                  <a:srgbClr val="000000">
+                    <a:lumMod val="75000"/>
+                    <a:lumOff val="25000"/>
+                  </a:srgbClr>
+                </a:solidFill>
+              </a:rPr>
+              <a:t>staTime</a:t>
+            </a:r>
+            <a:r>
+              <a:rPr lang="zh-CN" altLang="en-US" sz="2800" dirty="0">
+                <a:solidFill>
+                  <a:srgbClr val="000000">
+                    <a:lumMod val="75000"/>
+                    <a:lumOff val="25000"/>
+                  </a:srgbClr>
+                </a:solidFill>
+              </a:rPr>
+              <a:t>从客户端获取，</a:t>
+            </a:r>
+            <a:r>
+              <a:rPr lang="en-US" altLang="zh-CN" sz="2800" dirty="0">
+                <a:solidFill>
+                  <a:srgbClr val="000000">
+                    <a:lumMod val="75000"/>
+                    <a:lumOff val="25000"/>
+                  </a:srgbClr>
+                </a:solidFill>
+              </a:rPr>
+              <a:t> </a:t>
+            </a:r>
+            <a:r>
+              <a:rPr lang="en-US" altLang="zh-CN" sz="2800" dirty="0" err="1">
+                <a:solidFill>
+                  <a:srgbClr val="000000">
+                    <a:lumMod val="75000"/>
+                    <a:lumOff val="25000"/>
+                  </a:srgbClr>
+                </a:solidFill>
+              </a:rPr>
+              <a:t>nowTime</a:t>
+            </a:r>
+            <a:r>
+              <a:rPr lang="zh-CN" altLang="en-US" sz="2800" dirty="0">
+                <a:solidFill>
+                  <a:srgbClr val="000000">
+                    <a:lumMod val="75000"/>
+                    <a:lumOff val="25000"/>
+                  </a:srgbClr>
+                </a:solidFill>
+              </a:rPr>
+              <a:t>从服务端获取</a:t>
+            </a:r>
+            <a:endParaRPr lang="en-US" altLang="zh-CN" sz="2800" dirty="0">
+              <a:solidFill>
+                <a:srgbClr val="000000">
+                  <a:lumMod val="75000"/>
+                  <a:lumOff val="25000"/>
+                </a:srgbClr>
+              </a:solidFill>
+            </a:endParaRPr>
+          </a:p>
+          <a:p>
+            <a:pPr marL="0" lvl="0" indent="0">
+              <a:lnSpc>
+                <a:spcPct val="120000"/>
+              </a:lnSpc>
+              <a:spcBef>
+                <a:spcPts val="200"/>
+              </a:spcBef>
+              <a:buClr>
+                <a:srgbClr val="E48312"/>
+              </a:buClr>
+              <a:buNone/>
+            </a:pPr>
+            <a:endParaRPr lang="en-US" altLang="zh-CN" sz="2800" dirty="0">
+              <a:solidFill>
+                <a:srgbClr val="000000">
+                  <a:lumMod val="75000"/>
+                  <a:lumOff val="25000"/>
+                </a:srgbClr>
+              </a:solidFill>
+            </a:endParaRPr>
+          </a:p>
+          <a:p>
+            <a:pPr marL="0" lvl="0" indent="0">
+              <a:lnSpc>
+                <a:spcPct val="120000"/>
+              </a:lnSpc>
+              <a:spcBef>
+                <a:spcPts val="200"/>
+              </a:spcBef>
+              <a:buClr>
+                <a:srgbClr val="E48312"/>
+              </a:buClr>
+              <a:buNone/>
+            </a:pPr>
+            <a:r>
+              <a:rPr lang="zh-CN" altLang="en-US" sz="2400" dirty="0">
+                <a:solidFill>
+                  <a:srgbClr val="000000">
+                    <a:lumMod val="75000"/>
+                    <a:lumOff val="25000"/>
+                  </a:srgbClr>
+                </a:solidFill>
+              </a:rPr>
+              <a:t>客户端</a:t>
+            </a:r>
+            <a:r>
+              <a:rPr lang="en-US" altLang="zh-CN" sz="2400" dirty="0">
+                <a:solidFill>
+                  <a:srgbClr val="000000">
+                    <a:lumMod val="75000"/>
+                    <a:lumOff val="25000"/>
+                  </a:srgbClr>
+                </a:solidFill>
+              </a:rPr>
+              <a:t>C1</a:t>
+            </a:r>
+            <a:r>
+              <a:rPr lang="zh-CN" altLang="en-US" sz="2400" dirty="0">
+                <a:solidFill>
+                  <a:srgbClr val="000000">
+                    <a:lumMod val="75000"/>
+                    <a:lumOff val="25000"/>
+                  </a:srgbClr>
+                </a:solidFill>
+              </a:rPr>
+              <a:t>生成</a:t>
+            </a:r>
+            <a:r>
+              <a:rPr lang="en-US" altLang="zh-CN" sz="2400" dirty="0" err="1">
+                <a:solidFill>
+                  <a:srgbClr val="000000">
+                    <a:lumMod val="75000"/>
+                    <a:lumOff val="25000"/>
+                  </a:srgbClr>
+                </a:solidFill>
+              </a:rPr>
+              <a:t>staTime</a:t>
+            </a:r>
+            <a:r>
+              <a:rPr lang="zh-CN" altLang="en-US" sz="2400" dirty="0">
+                <a:solidFill>
+                  <a:srgbClr val="000000">
+                    <a:lumMod val="75000"/>
+                    <a:lumOff val="25000"/>
+                  </a:srgbClr>
+                </a:solidFill>
+              </a:rPr>
+              <a:t>，服务端</a:t>
+            </a:r>
+            <a:r>
+              <a:rPr lang="en-US" altLang="zh-CN" sz="2400" dirty="0">
+                <a:solidFill>
+                  <a:srgbClr val="000000">
+                    <a:lumMod val="75000"/>
+                    <a:lumOff val="25000"/>
+                  </a:srgbClr>
+                </a:solidFill>
+              </a:rPr>
+              <a:t>S</a:t>
+            </a:r>
+            <a:r>
+              <a:rPr lang="zh-CN" altLang="en-US" sz="2400" dirty="0">
+                <a:solidFill>
+                  <a:srgbClr val="000000">
+                    <a:lumMod val="75000"/>
+                    <a:lumOff val="25000"/>
+                  </a:srgbClr>
+                </a:solidFill>
+              </a:rPr>
+              <a:t>接收并保存；</a:t>
+            </a:r>
+            <a:endParaRPr lang="en-US" altLang="zh-CN" sz="2400" dirty="0">
+              <a:solidFill>
+                <a:srgbClr val="000000">
+                  <a:lumMod val="75000"/>
+                  <a:lumOff val="25000"/>
+                </a:srgbClr>
+              </a:solidFill>
+            </a:endParaRPr>
+          </a:p>
+          <a:p>
+            <a:pPr marL="0" lvl="0" indent="0">
+              <a:lnSpc>
+                <a:spcPct val="120000"/>
+              </a:lnSpc>
+              <a:spcBef>
+                <a:spcPts val="200"/>
+              </a:spcBef>
+              <a:buClr>
+                <a:srgbClr val="E48312"/>
+              </a:buClr>
+              <a:buNone/>
+            </a:pPr>
+            <a:r>
+              <a:rPr lang="zh-CN" altLang="en-US" sz="2400" dirty="0">
+                <a:solidFill>
+                  <a:srgbClr val="000000">
+                    <a:lumMod val="75000"/>
+                    <a:lumOff val="25000"/>
+                  </a:srgbClr>
+                </a:solidFill>
+              </a:rPr>
+              <a:t>服务端</a:t>
+            </a:r>
+            <a:r>
+              <a:rPr lang="en-US" altLang="zh-CN" sz="2400" dirty="0">
+                <a:solidFill>
+                  <a:srgbClr val="000000">
+                    <a:lumMod val="75000"/>
+                    <a:lumOff val="25000"/>
+                  </a:srgbClr>
+                </a:solidFill>
+              </a:rPr>
+              <a:t>S</a:t>
+            </a:r>
+            <a:r>
+              <a:rPr lang="zh-CN" altLang="en-US" sz="2400" dirty="0">
+                <a:solidFill>
+                  <a:srgbClr val="000000">
+                    <a:lumMod val="75000"/>
+                    <a:lumOff val="25000"/>
+                  </a:srgbClr>
+                </a:solidFill>
+              </a:rPr>
+              <a:t>根据</a:t>
+            </a:r>
+            <a:r>
+              <a:rPr lang="en-US" altLang="zh-CN" sz="2400" dirty="0" err="1">
+                <a:solidFill>
+                  <a:srgbClr val="000000">
+                    <a:lumMod val="75000"/>
+                    <a:lumOff val="25000"/>
+                  </a:srgbClr>
+                </a:solidFill>
+              </a:rPr>
+              <a:t>staTime</a:t>
+            </a:r>
+            <a:r>
+              <a:rPr lang="zh-CN" altLang="en-US" sz="2400" dirty="0">
+                <a:solidFill>
+                  <a:srgbClr val="000000">
+                    <a:lumMod val="75000"/>
+                    <a:lumOff val="25000"/>
+                  </a:srgbClr>
+                </a:solidFill>
+              </a:rPr>
+              <a:t>计算得到</a:t>
+            </a:r>
+            <a:r>
+              <a:rPr lang="en-US" altLang="zh-CN" sz="2400" dirty="0" err="1">
+                <a:solidFill>
+                  <a:srgbClr val="000000">
+                    <a:lumMod val="75000"/>
+                    <a:lumOff val="25000"/>
+                  </a:srgbClr>
+                </a:solidFill>
+              </a:rPr>
+              <a:t>endTime</a:t>
+            </a:r>
+            <a:r>
+              <a:rPr lang="zh-CN" altLang="en-US" sz="2400" dirty="0">
+                <a:solidFill>
+                  <a:srgbClr val="000000">
+                    <a:lumMod val="75000"/>
+                    <a:lumOff val="25000"/>
+                  </a:srgbClr>
+                </a:solidFill>
+              </a:rPr>
+              <a:t>、</a:t>
+            </a:r>
+            <a:r>
+              <a:rPr lang="en-US" altLang="zh-CN" sz="2400" dirty="0">
+                <a:solidFill>
+                  <a:srgbClr val="000000">
+                    <a:lumMod val="75000"/>
+                    <a:lumOff val="25000"/>
+                  </a:srgbClr>
+                </a:solidFill>
+              </a:rPr>
+              <a:t> </a:t>
+            </a:r>
+            <a:r>
+              <a:rPr lang="en-US" altLang="zh-CN" sz="2400" dirty="0" err="1">
+                <a:solidFill>
+                  <a:srgbClr val="000000">
+                    <a:lumMod val="75000"/>
+                    <a:lumOff val="25000"/>
+                  </a:srgbClr>
+                </a:solidFill>
+              </a:rPr>
+              <a:t>timeLef</a:t>
+            </a:r>
+            <a:r>
+              <a:rPr lang="zh-CN" altLang="en-US" sz="2400" dirty="0">
+                <a:solidFill>
+                  <a:srgbClr val="000000">
+                    <a:lumMod val="75000"/>
+                    <a:lumOff val="25000"/>
+                  </a:srgbClr>
+                </a:solidFill>
+              </a:rPr>
+              <a:t>，发送给客户端</a:t>
+            </a:r>
+            <a:r>
+              <a:rPr lang="en-US" altLang="zh-CN" sz="2400" dirty="0">
+                <a:solidFill>
+                  <a:srgbClr val="000000">
+                    <a:lumMod val="75000"/>
+                    <a:lumOff val="25000"/>
+                  </a:srgbClr>
+                </a:solidFill>
+              </a:rPr>
+              <a:t>C2</a:t>
+            </a:r>
+            <a:r>
+              <a:rPr lang="zh-CN" altLang="en-US" sz="2400" dirty="0">
+                <a:solidFill>
+                  <a:srgbClr val="000000">
+                    <a:lumMod val="75000"/>
+                    <a:lumOff val="25000"/>
+                  </a:srgbClr>
+                </a:solidFill>
+              </a:rPr>
+              <a:t>。</a:t>
+            </a:r>
+            <a:endParaRPr lang="en-US" altLang="zh-CN" sz="2400" dirty="0">
+              <a:solidFill>
+                <a:srgbClr val="000000">
+                  <a:lumMod val="75000"/>
+                  <a:lumOff val="25000"/>
+                </a:srgbClr>
+              </a:solidFill>
+            </a:endParaRPr>
+          </a:p>
+          <a:p>
+            <a:pPr marL="0" lvl="0" indent="0">
+              <a:lnSpc>
+                <a:spcPct val="120000"/>
+              </a:lnSpc>
+              <a:spcBef>
+                <a:spcPts val="200"/>
+              </a:spcBef>
+              <a:buClr>
+                <a:srgbClr val="E48312"/>
+              </a:buClr>
+              <a:buNone/>
+            </a:pPr>
+            <a:endParaRPr lang="en-US" altLang="zh-CN" sz="2400" dirty="0">
+              <a:solidFill>
+                <a:srgbClr val="000000">
+                  <a:lumMod val="75000"/>
+                  <a:lumOff val="25000"/>
+                </a:srgbClr>
+              </a:solidFill>
+            </a:endParaRPr>
+          </a:p>
+          <a:p>
+            <a:pPr marL="0" indent="0">
+              <a:lnSpc>
+                <a:spcPct val="120000"/>
+              </a:lnSpc>
+              <a:spcBef>
+                <a:spcPts val="200"/>
+              </a:spcBef>
+              <a:buClr>
+                <a:srgbClr val="E48312"/>
+              </a:buClr>
+              <a:buNone/>
+            </a:pPr>
+            <a:r>
+              <a:rPr lang="zh-CN" altLang="en-US" sz="2400" dirty="0">
+                <a:solidFill>
+                  <a:srgbClr val="000000">
+                    <a:lumMod val="75000"/>
+                    <a:lumOff val="25000"/>
+                  </a:srgbClr>
+                </a:solidFill>
+              </a:rPr>
+              <a:t>可以获得</a:t>
+            </a:r>
+            <a:r>
+              <a:rPr lang="en-US" altLang="zh-CN" sz="2400" dirty="0">
+                <a:solidFill>
+                  <a:srgbClr val="000000">
+                    <a:lumMod val="75000"/>
+                    <a:lumOff val="25000"/>
+                  </a:srgbClr>
+                </a:solidFill>
+              </a:rPr>
+              <a:t>C1</a:t>
+            </a:r>
+            <a:r>
+              <a:rPr lang="zh-CN" altLang="en-US" sz="2400" dirty="0">
+                <a:solidFill>
+                  <a:srgbClr val="000000">
+                    <a:lumMod val="75000"/>
+                    <a:lumOff val="25000"/>
+                  </a:srgbClr>
+                </a:solidFill>
+              </a:rPr>
+              <a:t>的时区信息，但没有什么卵用</a:t>
+            </a:r>
+            <a:endParaRPr lang="en-US" altLang="zh-CN" sz="2400" dirty="0">
+              <a:solidFill>
+                <a:srgbClr val="000000">
+                  <a:lumMod val="75000"/>
+                  <a:lumOff val="25000"/>
+                </a:srgbClr>
+              </a:solidFill>
+            </a:endParaRPr>
+          </a:p>
+          <a:p>
+            <a:pPr marL="457200" lvl="0" indent="-457200">
+              <a:lnSpc>
+                <a:spcPct val="120000"/>
+              </a:lnSpc>
+              <a:spcBef>
+                <a:spcPts val="200"/>
+              </a:spcBef>
+              <a:buClr>
+                <a:srgbClr val="E48312"/>
+              </a:buClr>
+              <a:buFont typeface="+mj-lt"/>
+              <a:buAutoNum type="arabicPeriod"/>
+            </a:pPr>
+            <a:endParaRPr lang="en-US" altLang="zh-CN" sz="2800" dirty="0">
+              <a:solidFill>
+                <a:srgbClr val="000000">
+                  <a:lumMod val="75000"/>
+                  <a:lumOff val="25000"/>
+                </a:srgbClr>
+              </a:solidFill>
+            </a:endParaRPr>
+          </a:p>
+        </p:txBody>
+      </p:sp>
+    </p:spTree>
+    <p:extLst>
+      <p:ext uri="{BB962C8B-B14F-4D97-AF65-F5344CB8AC3E}">
+        <p14:creationId xmlns:p14="http://schemas.microsoft.com/office/powerpoint/2010/main" val="76391528"/>
+      </p:ext>
+    </p:extLst>
+  </p:cSld>
+  <p:clrMapOvr>
+    <a:masterClrMapping/>
+  </p:clrMapOvr>
+</p:sld>
+</file>
+
+<file path=ppt/slides/slide14.xml><?xml version="1.0" encoding="utf-8"?>
+<p:sld xmlns:a="http://schemas.openxmlformats.org/drawingml/2006/main" xmlns:r="http://schemas.openxmlformats.org/officeDocument/2006/relationships" xmlns:p="http://schemas.openxmlformats.org/presentationml/2006/main">
+  <p:cSld>
+    <p:spTree>
+      <p:nvGrpSpPr>
+        <p:cNvPr id="1" name=""/>
+        <p:cNvGrpSpPr/>
+        <p:nvPr/>
+      </p:nvGrpSpPr>
+      <p:grpSpPr>
+        <a:xfrm>
+          <a:off x="0" y="0"/>
+          <a:ext cx="0" cy="0"/>
+          <a:chOff x="0" y="0"/>
+          <a:chExt cx="0" cy="0"/>
+        </a:xfrm>
+      </p:grpSpPr>
+      <p:sp>
+        <p:nvSpPr>
+          <p:cNvPr id="2" name="标题 1">
+            <a:extLst>
+              <a:ext uri="{FF2B5EF4-FFF2-40B4-BE49-F238E27FC236}">
+                <a16:creationId xmlns:a16="http://schemas.microsoft.com/office/drawing/2014/main" id="{9176990D-DEC9-4D8B-94CD-4826B9799692}"/>
+              </a:ext>
+            </a:extLst>
+          </p:cNvPr>
+          <p:cNvSpPr>
+            <a:spLocks noGrp="1"/>
+          </p:cNvSpPr>
+          <p:nvPr>
+            <p:ph type="title"/>
+          </p:nvPr>
+        </p:nvSpPr>
+        <p:spPr/>
+        <p:txBody>
+          <a:bodyPr/>
+          <a:lstStyle/>
+          <a:p>
+            <a:r>
+              <a:rPr lang="zh-CN" altLang="en-US" dirty="0"/>
+              <a:t>时间信息的获取</a:t>
+            </a:r>
+            <a:r>
+              <a:rPr lang="en-US" altLang="zh-CN" dirty="0"/>
+              <a:t>/</a:t>
+            </a:r>
+            <a:r>
+              <a:rPr lang="zh-CN" altLang="en-US" dirty="0"/>
+              <a:t>计算</a:t>
+            </a:r>
+          </a:p>
+        </p:txBody>
+      </p:sp>
+      <p:sp>
+        <p:nvSpPr>
+          <p:cNvPr id="3" name="内容占位符 2">
+            <a:extLst>
+              <a:ext uri="{FF2B5EF4-FFF2-40B4-BE49-F238E27FC236}">
+                <a16:creationId xmlns:a16="http://schemas.microsoft.com/office/drawing/2014/main" id="{D093F4B0-0508-4F31-821C-DFE5DA344089}"/>
+              </a:ext>
+            </a:extLst>
+          </p:cNvPr>
+          <p:cNvSpPr>
+            <a:spLocks noGrp="1"/>
+          </p:cNvSpPr>
+          <p:nvPr>
+            <p:ph idx="1"/>
+          </p:nvPr>
+        </p:nvSpPr>
+        <p:spPr>
+          <a:xfrm>
+            <a:off x="1097280" y="1845734"/>
+            <a:ext cx="10058400" cy="4504266"/>
+          </a:xfrm>
+        </p:spPr>
+        <p:txBody>
+          <a:bodyPr>
+            <a:normAutofit lnSpcReduction="10000"/>
+          </a:bodyPr>
+          <a:lstStyle/>
+          <a:p>
+            <a:pPr marL="0" lvl="0" indent="0">
+              <a:lnSpc>
+                <a:spcPct val="120000"/>
+              </a:lnSpc>
+              <a:spcBef>
+                <a:spcPts val="200"/>
+              </a:spcBef>
+              <a:buClr>
+                <a:srgbClr val="E48312"/>
+              </a:buClr>
+              <a:buNone/>
+            </a:pPr>
+            <a:r>
+              <a:rPr lang="en-US" altLang="zh-CN" sz="2800" dirty="0" err="1">
+                <a:solidFill>
+                  <a:srgbClr val="000000">
+                    <a:lumMod val="75000"/>
+                    <a:lumOff val="25000"/>
+                  </a:srgbClr>
+                </a:solidFill>
+              </a:rPr>
+              <a:t>staTime</a:t>
+            </a:r>
+            <a:r>
+              <a:rPr lang="zh-CN" altLang="en-US" sz="2800" dirty="0">
+                <a:solidFill>
+                  <a:srgbClr val="000000">
+                    <a:lumMod val="75000"/>
+                    <a:lumOff val="25000"/>
+                  </a:srgbClr>
+                </a:solidFill>
+              </a:rPr>
+              <a:t>、</a:t>
+            </a:r>
+            <a:r>
+              <a:rPr lang="en-US" altLang="zh-CN" sz="2800" dirty="0" err="1">
+                <a:solidFill>
+                  <a:srgbClr val="000000">
+                    <a:lumMod val="75000"/>
+                    <a:lumOff val="25000"/>
+                  </a:srgbClr>
+                </a:solidFill>
+              </a:rPr>
+              <a:t>nowTime</a:t>
+            </a:r>
+            <a:r>
+              <a:rPr lang="zh-CN" altLang="en-US" sz="2800" dirty="0">
+                <a:solidFill>
+                  <a:srgbClr val="000000">
+                    <a:lumMod val="75000"/>
+                    <a:lumOff val="25000"/>
+                  </a:srgbClr>
+                </a:solidFill>
+              </a:rPr>
+              <a:t>从服务端获取</a:t>
+            </a:r>
+            <a:endParaRPr lang="en-US" altLang="zh-CN" sz="2800" dirty="0">
+              <a:solidFill>
+                <a:srgbClr val="000000">
+                  <a:lumMod val="75000"/>
+                  <a:lumOff val="25000"/>
+                </a:srgbClr>
+              </a:solidFill>
+            </a:endParaRPr>
+          </a:p>
+          <a:p>
+            <a:pPr marL="0" lvl="0" indent="0">
+              <a:lnSpc>
+                <a:spcPct val="120000"/>
+              </a:lnSpc>
+              <a:spcBef>
+                <a:spcPts val="200"/>
+              </a:spcBef>
+              <a:buClr>
+                <a:srgbClr val="E48312"/>
+              </a:buClr>
+              <a:buNone/>
+            </a:pPr>
+            <a:endParaRPr lang="en-US" altLang="zh-CN" sz="2800" dirty="0">
+              <a:solidFill>
+                <a:srgbClr val="000000">
+                  <a:lumMod val="75000"/>
+                  <a:lumOff val="25000"/>
+                </a:srgbClr>
+              </a:solidFill>
+            </a:endParaRPr>
+          </a:p>
+          <a:p>
+            <a:pPr marL="0" lvl="0" indent="0">
+              <a:lnSpc>
+                <a:spcPct val="120000"/>
+              </a:lnSpc>
+              <a:spcBef>
+                <a:spcPts val="200"/>
+              </a:spcBef>
+              <a:buClr>
+                <a:srgbClr val="E48312"/>
+              </a:buClr>
+              <a:buNone/>
+            </a:pPr>
+            <a:r>
+              <a:rPr lang="zh-CN" altLang="en-US" sz="2400" dirty="0">
+                <a:solidFill>
+                  <a:srgbClr val="000000">
+                    <a:lumMod val="75000"/>
+                    <a:lumOff val="25000"/>
+                  </a:srgbClr>
+                </a:solidFill>
+              </a:rPr>
+              <a:t>服务端</a:t>
+            </a:r>
+            <a:r>
+              <a:rPr lang="en-US" altLang="zh-CN" sz="2400" dirty="0">
+                <a:solidFill>
+                  <a:srgbClr val="000000">
+                    <a:lumMod val="75000"/>
+                    <a:lumOff val="25000"/>
+                  </a:srgbClr>
+                </a:solidFill>
+              </a:rPr>
+              <a:t>S</a:t>
+            </a:r>
+            <a:r>
+              <a:rPr lang="zh-CN" altLang="en-US" sz="2400" dirty="0">
+                <a:solidFill>
+                  <a:srgbClr val="000000">
+                    <a:lumMod val="75000"/>
+                    <a:lumOff val="25000"/>
+                  </a:srgbClr>
+                </a:solidFill>
+              </a:rPr>
+              <a:t>生成</a:t>
+            </a:r>
+            <a:r>
+              <a:rPr lang="en-US" altLang="zh-CN" sz="2400" dirty="0" err="1">
+                <a:solidFill>
+                  <a:srgbClr val="000000">
+                    <a:lumMod val="75000"/>
+                    <a:lumOff val="25000"/>
+                  </a:srgbClr>
+                </a:solidFill>
+              </a:rPr>
+              <a:t>staTime</a:t>
+            </a:r>
+            <a:r>
+              <a:rPr lang="zh-CN" altLang="en-US" sz="2400" dirty="0">
+                <a:solidFill>
+                  <a:srgbClr val="000000">
+                    <a:lumMod val="75000"/>
+                    <a:lumOff val="25000"/>
+                  </a:srgbClr>
+                </a:solidFill>
+              </a:rPr>
+              <a:t>并保存；</a:t>
+            </a:r>
+            <a:endParaRPr lang="en-US" altLang="zh-CN" sz="2400" dirty="0">
+              <a:solidFill>
+                <a:srgbClr val="000000">
+                  <a:lumMod val="75000"/>
+                  <a:lumOff val="25000"/>
+                </a:srgbClr>
+              </a:solidFill>
+            </a:endParaRPr>
+          </a:p>
+          <a:p>
+            <a:pPr marL="0" lvl="0" indent="0">
+              <a:lnSpc>
+                <a:spcPct val="120000"/>
+              </a:lnSpc>
+              <a:spcBef>
+                <a:spcPts val="200"/>
+              </a:spcBef>
+              <a:buClr>
+                <a:srgbClr val="E48312"/>
+              </a:buClr>
+              <a:buNone/>
+            </a:pPr>
+            <a:r>
+              <a:rPr lang="zh-CN" altLang="en-US" sz="2400" dirty="0">
+                <a:solidFill>
+                  <a:srgbClr val="000000">
+                    <a:lumMod val="75000"/>
+                    <a:lumOff val="25000"/>
+                  </a:srgbClr>
+                </a:solidFill>
+              </a:rPr>
+              <a:t>服务端</a:t>
+            </a:r>
+            <a:r>
+              <a:rPr lang="en-US" altLang="zh-CN" sz="2400" dirty="0">
+                <a:solidFill>
+                  <a:srgbClr val="000000">
+                    <a:lumMod val="75000"/>
+                    <a:lumOff val="25000"/>
+                  </a:srgbClr>
+                </a:solidFill>
+              </a:rPr>
+              <a:t>S</a:t>
+            </a:r>
+            <a:r>
+              <a:rPr lang="zh-CN" altLang="en-US" sz="2400" dirty="0">
+                <a:solidFill>
+                  <a:srgbClr val="000000">
+                    <a:lumMod val="75000"/>
+                    <a:lumOff val="25000"/>
+                  </a:srgbClr>
+                </a:solidFill>
+              </a:rPr>
+              <a:t>根据</a:t>
+            </a:r>
+            <a:r>
+              <a:rPr lang="en-US" altLang="zh-CN" sz="2400" dirty="0" err="1">
+                <a:solidFill>
+                  <a:srgbClr val="000000">
+                    <a:lumMod val="75000"/>
+                    <a:lumOff val="25000"/>
+                  </a:srgbClr>
+                </a:solidFill>
+              </a:rPr>
+              <a:t>staTime</a:t>
+            </a:r>
+            <a:r>
+              <a:rPr lang="zh-CN" altLang="en-US" sz="2400" dirty="0">
+                <a:solidFill>
+                  <a:srgbClr val="000000">
+                    <a:lumMod val="75000"/>
+                    <a:lumOff val="25000"/>
+                  </a:srgbClr>
+                </a:solidFill>
+              </a:rPr>
+              <a:t>计算得到</a:t>
+            </a:r>
+            <a:r>
+              <a:rPr lang="en-US" altLang="zh-CN" sz="2400" dirty="0" err="1">
+                <a:solidFill>
+                  <a:srgbClr val="000000">
+                    <a:lumMod val="75000"/>
+                    <a:lumOff val="25000"/>
+                  </a:srgbClr>
+                </a:solidFill>
+              </a:rPr>
+              <a:t>endTime</a:t>
+            </a:r>
+            <a:r>
+              <a:rPr lang="zh-CN" altLang="en-US" sz="2400" dirty="0">
+                <a:solidFill>
+                  <a:srgbClr val="000000">
+                    <a:lumMod val="75000"/>
+                    <a:lumOff val="25000"/>
+                  </a:srgbClr>
+                </a:solidFill>
+              </a:rPr>
+              <a:t>、</a:t>
+            </a:r>
+            <a:r>
+              <a:rPr lang="en-US" altLang="zh-CN" sz="2400" dirty="0">
+                <a:solidFill>
+                  <a:srgbClr val="000000">
+                    <a:lumMod val="75000"/>
+                    <a:lumOff val="25000"/>
+                  </a:srgbClr>
+                </a:solidFill>
+              </a:rPr>
+              <a:t> </a:t>
+            </a:r>
+            <a:r>
+              <a:rPr lang="en-US" altLang="zh-CN" sz="2400" dirty="0" err="1">
+                <a:solidFill>
+                  <a:srgbClr val="000000">
+                    <a:lumMod val="75000"/>
+                    <a:lumOff val="25000"/>
+                  </a:srgbClr>
+                </a:solidFill>
+              </a:rPr>
+              <a:t>timeLef</a:t>
+            </a:r>
+            <a:r>
+              <a:rPr lang="zh-CN" altLang="en-US" sz="2400" dirty="0">
+                <a:solidFill>
+                  <a:srgbClr val="000000">
+                    <a:lumMod val="75000"/>
+                    <a:lumOff val="25000"/>
+                  </a:srgbClr>
+                </a:solidFill>
+              </a:rPr>
+              <a:t> ，发送给客户端</a:t>
+            </a:r>
+            <a:r>
+              <a:rPr lang="en-US" altLang="zh-CN" sz="2400" dirty="0">
+                <a:solidFill>
+                  <a:srgbClr val="000000">
+                    <a:lumMod val="75000"/>
+                    <a:lumOff val="25000"/>
+                  </a:srgbClr>
+                </a:solidFill>
+              </a:rPr>
+              <a:t>C2 </a:t>
+            </a:r>
+            <a:r>
+              <a:rPr lang="zh-CN" altLang="en-US" sz="2400" dirty="0">
+                <a:solidFill>
+                  <a:srgbClr val="000000">
+                    <a:lumMod val="75000"/>
+                    <a:lumOff val="25000"/>
+                  </a:srgbClr>
+                </a:solidFill>
+              </a:rPr>
+              <a:t>。</a:t>
+            </a:r>
+            <a:endParaRPr lang="en-US" altLang="zh-CN" sz="2400" dirty="0">
+              <a:solidFill>
+                <a:srgbClr val="000000">
+                  <a:lumMod val="75000"/>
+                  <a:lumOff val="25000"/>
+                </a:srgbClr>
+              </a:solidFill>
+            </a:endParaRPr>
+          </a:p>
+          <a:p>
+            <a:pPr marL="0" lvl="0" indent="0">
+              <a:lnSpc>
+                <a:spcPct val="120000"/>
+              </a:lnSpc>
+              <a:spcBef>
+                <a:spcPts val="200"/>
+              </a:spcBef>
+              <a:buClr>
+                <a:srgbClr val="E48312"/>
+              </a:buClr>
+              <a:buNone/>
+            </a:pPr>
+            <a:endParaRPr lang="en-US" altLang="zh-CN" sz="2400" dirty="0">
+              <a:solidFill>
+                <a:srgbClr val="000000">
+                  <a:lumMod val="75000"/>
+                  <a:lumOff val="25000"/>
+                </a:srgbClr>
+              </a:solidFill>
+            </a:endParaRPr>
+          </a:p>
+          <a:p>
+            <a:pPr marL="0" lvl="0" indent="0">
+              <a:lnSpc>
+                <a:spcPct val="120000"/>
+              </a:lnSpc>
+              <a:spcBef>
+                <a:spcPts val="200"/>
+              </a:spcBef>
+              <a:buClr>
+                <a:srgbClr val="E48312"/>
+              </a:buClr>
+              <a:buNone/>
+            </a:pPr>
+            <a:r>
+              <a:rPr lang="zh-CN" altLang="en-US" sz="2400" dirty="0">
+                <a:solidFill>
+                  <a:srgbClr val="000000">
+                    <a:lumMod val="75000"/>
+                    <a:lumOff val="25000"/>
+                  </a:srgbClr>
+                </a:solidFill>
+              </a:rPr>
+              <a:t>优点：服务端</a:t>
+            </a:r>
+            <a:r>
+              <a:rPr lang="en-US" altLang="zh-CN" sz="2400" dirty="0">
+                <a:solidFill>
+                  <a:srgbClr val="000000">
+                    <a:lumMod val="75000"/>
+                    <a:lumOff val="25000"/>
+                  </a:srgbClr>
+                </a:solidFill>
+              </a:rPr>
+              <a:t>S</a:t>
+            </a:r>
+            <a:r>
+              <a:rPr lang="zh-CN" altLang="en-US" sz="2400" dirty="0">
+                <a:solidFill>
+                  <a:srgbClr val="000000">
+                    <a:lumMod val="75000"/>
+                    <a:lumOff val="25000"/>
+                  </a:srgbClr>
+                </a:solidFill>
+              </a:rPr>
+              <a:t>时间相较客户端时间靠谱</a:t>
+            </a:r>
+            <a:endParaRPr lang="en-US" altLang="zh-CN" sz="2400" dirty="0">
+              <a:solidFill>
+                <a:srgbClr val="000000">
+                  <a:lumMod val="75000"/>
+                  <a:lumOff val="25000"/>
+                </a:srgbClr>
+              </a:solidFill>
+            </a:endParaRPr>
+          </a:p>
+          <a:p>
+            <a:pPr marL="0" lvl="0" indent="0">
+              <a:lnSpc>
+                <a:spcPct val="120000"/>
+              </a:lnSpc>
+              <a:spcBef>
+                <a:spcPts val="200"/>
+              </a:spcBef>
+              <a:buClr>
+                <a:srgbClr val="E48312"/>
+              </a:buClr>
+              <a:buNone/>
+            </a:pPr>
+            <a:endParaRPr lang="en-US" altLang="zh-CN" sz="2400" dirty="0">
+              <a:solidFill>
+                <a:srgbClr val="000000">
+                  <a:lumMod val="75000"/>
+                  <a:lumOff val="25000"/>
+                </a:srgbClr>
+              </a:solidFill>
+            </a:endParaRPr>
+          </a:p>
+          <a:p>
+            <a:pPr marL="0" lvl="0" indent="0">
+              <a:lnSpc>
+                <a:spcPct val="120000"/>
+              </a:lnSpc>
+              <a:spcBef>
+                <a:spcPts val="200"/>
+              </a:spcBef>
+              <a:buClr>
+                <a:srgbClr val="E48312"/>
+              </a:buClr>
+              <a:buNone/>
+            </a:pPr>
+            <a:r>
+              <a:rPr lang="zh-CN" altLang="en-US" sz="2400" dirty="0">
+                <a:solidFill>
+                  <a:srgbClr val="000000">
+                    <a:lumMod val="75000"/>
+                    <a:lumOff val="25000"/>
+                  </a:srgbClr>
+                </a:solidFill>
+              </a:rPr>
+              <a:t>缺点：服务端</a:t>
+            </a:r>
+            <a:r>
+              <a:rPr lang="en-US" altLang="zh-CN" sz="2400" dirty="0">
+                <a:solidFill>
+                  <a:srgbClr val="000000">
+                    <a:lumMod val="75000"/>
+                    <a:lumOff val="25000"/>
+                  </a:srgbClr>
+                </a:solidFill>
+              </a:rPr>
+              <a:t>S</a:t>
+            </a:r>
+            <a:r>
+              <a:rPr lang="zh-CN" altLang="en-US" sz="2400" dirty="0">
+                <a:solidFill>
+                  <a:srgbClr val="000000">
+                    <a:lumMod val="75000"/>
+                    <a:lumOff val="25000"/>
+                  </a:srgbClr>
+                </a:solidFill>
+              </a:rPr>
+              <a:t>无法获取客户端</a:t>
+            </a:r>
+            <a:r>
+              <a:rPr lang="en-US" altLang="zh-CN" sz="2400" dirty="0">
+                <a:solidFill>
+                  <a:srgbClr val="000000">
+                    <a:lumMod val="75000"/>
+                    <a:lumOff val="25000"/>
+                  </a:srgbClr>
+                </a:solidFill>
+              </a:rPr>
+              <a:t>C2</a:t>
+            </a:r>
+            <a:r>
+              <a:rPr lang="zh-CN" altLang="en-US" sz="2400" dirty="0">
+                <a:solidFill>
+                  <a:srgbClr val="000000">
+                    <a:lumMod val="75000"/>
+                    <a:lumOff val="25000"/>
+                  </a:srgbClr>
+                </a:solidFill>
+              </a:rPr>
+              <a:t>时区（</a:t>
+            </a:r>
+            <a:r>
+              <a:rPr lang="en-US" altLang="zh-CN" sz="2400" dirty="0">
+                <a:solidFill>
+                  <a:srgbClr val="FF0000"/>
+                </a:solidFill>
+              </a:rPr>
+              <a:t>HTTP</a:t>
+            </a:r>
+            <a:r>
+              <a:rPr lang="zh-CN" altLang="en-US" sz="2400" dirty="0">
+                <a:solidFill>
+                  <a:srgbClr val="FF0000"/>
+                </a:solidFill>
+              </a:rPr>
+              <a:t>请求默认不带有客户端时区信息</a:t>
+            </a:r>
+            <a:r>
+              <a:rPr lang="zh-CN" altLang="en-US" sz="2400" dirty="0">
+                <a:solidFill>
+                  <a:srgbClr val="000000">
+                    <a:lumMod val="75000"/>
+                    <a:lumOff val="25000"/>
+                  </a:srgbClr>
+                </a:solidFill>
+              </a:rPr>
+              <a:t>），因此无法依据</a:t>
+            </a:r>
+            <a:r>
+              <a:rPr lang="en-US" altLang="zh-CN" sz="2400" dirty="0">
+                <a:solidFill>
+                  <a:srgbClr val="000000">
+                    <a:lumMod val="75000"/>
+                    <a:lumOff val="25000"/>
+                  </a:srgbClr>
+                </a:solidFill>
+              </a:rPr>
+              <a:t>C2</a:t>
+            </a:r>
+            <a:r>
+              <a:rPr lang="zh-CN" altLang="en-US" sz="2400" dirty="0">
+                <a:solidFill>
+                  <a:srgbClr val="000000">
+                    <a:lumMod val="75000"/>
+                    <a:lumOff val="25000"/>
+                  </a:srgbClr>
+                </a:solidFill>
+              </a:rPr>
+              <a:t>时区显示</a:t>
+            </a:r>
+            <a:r>
+              <a:rPr lang="en-US" altLang="zh-CN" sz="2400" dirty="0" err="1">
+                <a:solidFill>
+                  <a:srgbClr val="000000">
+                    <a:lumMod val="75000"/>
+                    <a:lumOff val="25000"/>
+                  </a:srgbClr>
+                </a:solidFill>
+              </a:rPr>
+              <a:t>endTime</a:t>
+            </a:r>
+            <a:r>
+              <a:rPr lang="zh-CN" altLang="en-US" sz="2400" dirty="0">
+                <a:solidFill>
+                  <a:srgbClr val="000000">
+                    <a:lumMod val="75000"/>
+                    <a:lumOff val="25000"/>
+                  </a:srgbClr>
+                </a:solidFill>
+              </a:rPr>
+              <a:t>，只能展示</a:t>
+            </a:r>
+            <a:r>
+              <a:rPr lang="en-US" altLang="zh-CN" sz="2400" dirty="0" err="1">
+                <a:solidFill>
+                  <a:srgbClr val="000000">
+                    <a:lumMod val="75000"/>
+                    <a:lumOff val="25000"/>
+                  </a:srgbClr>
+                </a:solidFill>
+              </a:rPr>
+              <a:t>timeLef</a:t>
+            </a:r>
+            <a:r>
+              <a:rPr lang="en-US" altLang="zh-CN" sz="2400" dirty="0">
+                <a:solidFill>
+                  <a:srgbClr val="000000">
+                    <a:lumMod val="75000"/>
+                    <a:lumOff val="25000"/>
+                  </a:srgbClr>
+                </a:solidFill>
+              </a:rPr>
+              <a:t> </a:t>
+            </a:r>
+            <a:r>
+              <a:rPr lang="zh-CN" altLang="en-US" sz="2400" dirty="0">
+                <a:solidFill>
+                  <a:srgbClr val="000000">
+                    <a:lumMod val="75000"/>
+                    <a:lumOff val="25000"/>
+                  </a:srgbClr>
+                </a:solidFill>
+              </a:rPr>
+              <a:t>。</a:t>
+            </a:r>
+            <a:endParaRPr lang="en-US" altLang="zh-CN" sz="2400" dirty="0">
+              <a:solidFill>
+                <a:srgbClr val="000000">
+                  <a:lumMod val="75000"/>
+                  <a:lumOff val="25000"/>
+                </a:srgbClr>
+              </a:solidFill>
+            </a:endParaRPr>
+          </a:p>
+          <a:p>
+            <a:pPr marL="0" indent="0">
+              <a:lnSpc>
+                <a:spcPct val="120000"/>
+              </a:lnSpc>
+              <a:spcBef>
+                <a:spcPts val="200"/>
+              </a:spcBef>
+              <a:buClr>
+                <a:srgbClr val="E48312"/>
+              </a:buClr>
+              <a:buNone/>
+            </a:pPr>
+            <a:endParaRPr lang="en-US" altLang="zh-CN" sz="2800" dirty="0">
+              <a:solidFill>
+                <a:srgbClr val="000000">
+                  <a:lumMod val="75000"/>
+                  <a:lumOff val="25000"/>
+                </a:srgbClr>
+              </a:solidFill>
+            </a:endParaRPr>
+          </a:p>
+          <a:p>
+            <a:pPr marL="457200" lvl="0" indent="-457200">
+              <a:lnSpc>
+                <a:spcPct val="120000"/>
+              </a:lnSpc>
+              <a:spcBef>
+                <a:spcPts val="200"/>
+              </a:spcBef>
+              <a:buClr>
+                <a:srgbClr val="E48312"/>
+              </a:buClr>
+              <a:buFont typeface="+mj-lt"/>
+              <a:buAutoNum type="arabicPeriod"/>
+            </a:pPr>
+            <a:endParaRPr lang="en-US" altLang="zh-CN" sz="2800" dirty="0">
+              <a:solidFill>
+                <a:srgbClr val="000000">
+                  <a:lumMod val="75000"/>
+                  <a:lumOff val="25000"/>
+                </a:srgbClr>
+              </a:solidFill>
+            </a:endParaRPr>
+          </a:p>
+        </p:txBody>
+      </p:sp>
+    </p:spTree>
+    <p:extLst>
+      <p:ext uri="{BB962C8B-B14F-4D97-AF65-F5344CB8AC3E}">
+        <p14:creationId xmlns:p14="http://schemas.microsoft.com/office/powerpoint/2010/main" val="32024560"/>
+      </p:ext>
+    </p:extLst>
+  </p:cSld>
+  <p:clrMapOvr>
+    <a:masterClrMapping/>
+  </p:clrMapOvr>
+</p:sld>
+</file>
+
+<file path=ppt/slides/slide15.xml><?xml version="1.0" encoding="utf-8"?>
+<p:sld xmlns:a="http://schemas.openxmlformats.org/drawingml/2006/main" xmlns:r="http://schemas.openxmlformats.org/officeDocument/2006/relationships" xmlns:p="http://schemas.openxmlformats.org/presentationml/2006/main">
+  <p:cSld>
+    <p:spTree>
+      <p:nvGrpSpPr>
+        <p:cNvPr id="1" name=""/>
+        <p:cNvGrpSpPr/>
+        <p:nvPr/>
+      </p:nvGrpSpPr>
+      <p:grpSpPr>
+        <a:xfrm>
+          <a:off x="0" y="0"/>
+          <a:ext cx="0" cy="0"/>
+          <a:chOff x="0" y="0"/>
+          <a:chExt cx="0" cy="0"/>
+        </a:xfrm>
+      </p:grpSpPr>
+      <p:sp>
+        <p:nvSpPr>
+          <p:cNvPr id="2" name="标题 1">
+            <a:extLst>
+              <a:ext uri="{FF2B5EF4-FFF2-40B4-BE49-F238E27FC236}">
+                <a16:creationId xmlns:a16="http://schemas.microsoft.com/office/drawing/2014/main" id="{9176990D-DEC9-4D8B-94CD-4826B9799692}"/>
+              </a:ext>
+            </a:extLst>
+          </p:cNvPr>
+          <p:cNvSpPr>
+            <a:spLocks noGrp="1"/>
+          </p:cNvSpPr>
+          <p:nvPr>
+            <p:ph type="title"/>
+          </p:nvPr>
+        </p:nvSpPr>
+        <p:spPr/>
+        <p:txBody>
+          <a:bodyPr/>
+          <a:lstStyle/>
+          <a:p>
+            <a:r>
+              <a:rPr lang="zh-CN" altLang="en-US"/>
+              <a:t>总结</a:t>
+            </a:r>
+            <a:endParaRPr lang="zh-CN" altLang="en-US" dirty="0"/>
+          </a:p>
+        </p:txBody>
+      </p:sp>
+      <p:sp>
+        <p:nvSpPr>
+          <p:cNvPr id="3" name="内容占位符 2">
+            <a:extLst>
+              <a:ext uri="{FF2B5EF4-FFF2-40B4-BE49-F238E27FC236}">
+                <a16:creationId xmlns:a16="http://schemas.microsoft.com/office/drawing/2014/main" id="{D093F4B0-0508-4F31-821C-DFE5DA344089}"/>
+              </a:ext>
+            </a:extLst>
+          </p:cNvPr>
+          <p:cNvSpPr>
+            <a:spLocks noGrp="1"/>
+          </p:cNvSpPr>
+          <p:nvPr>
+            <p:ph idx="1"/>
+          </p:nvPr>
+        </p:nvSpPr>
+        <p:spPr>
+          <a:xfrm>
+            <a:off x="1097280" y="1845734"/>
+            <a:ext cx="10058400" cy="4504266"/>
+          </a:xfrm>
+        </p:spPr>
+        <p:txBody>
+          <a:bodyPr>
+            <a:normAutofit/>
+          </a:bodyPr>
+          <a:lstStyle/>
+          <a:p>
+            <a:pPr marL="514350" lvl="0" indent="-514350">
+              <a:lnSpc>
+                <a:spcPct val="120000"/>
+              </a:lnSpc>
+              <a:spcBef>
+                <a:spcPts val="200"/>
+              </a:spcBef>
+              <a:buClr>
+                <a:srgbClr val="E48312"/>
+              </a:buClr>
+              <a:buFont typeface="+mj-lt"/>
+              <a:buAutoNum type="arabicPeriod"/>
+            </a:pPr>
+            <a:r>
+              <a:rPr lang="en-US" altLang="zh-CN" sz="2800" dirty="0" err="1">
+                <a:solidFill>
+                  <a:srgbClr val="000000">
+                    <a:lumMod val="75000"/>
+                    <a:lumOff val="25000"/>
+                  </a:srgbClr>
+                </a:solidFill>
+              </a:rPr>
+              <a:t>staTime</a:t>
+            </a:r>
+            <a:r>
+              <a:rPr lang="zh-CN" altLang="en-US" sz="2800" dirty="0">
+                <a:solidFill>
+                  <a:srgbClr val="000000">
+                    <a:lumMod val="75000"/>
+                    <a:lumOff val="25000"/>
+                  </a:srgbClr>
+                </a:solidFill>
+              </a:rPr>
+              <a:t>从服务端获取， </a:t>
+            </a:r>
+            <a:r>
+              <a:rPr lang="en-US" altLang="zh-CN" sz="2800" dirty="0" err="1">
+                <a:solidFill>
+                  <a:srgbClr val="000000">
+                    <a:lumMod val="75000"/>
+                    <a:lumOff val="25000"/>
+                  </a:srgbClr>
+                </a:solidFill>
+              </a:rPr>
+              <a:t>nowTime</a:t>
+            </a:r>
+            <a:r>
+              <a:rPr lang="zh-CN" altLang="en-US" sz="2800" dirty="0">
+                <a:solidFill>
+                  <a:srgbClr val="000000">
+                    <a:lumMod val="75000"/>
+                    <a:lumOff val="25000"/>
+                  </a:srgbClr>
+                </a:solidFill>
+              </a:rPr>
+              <a:t>从客户端获取，可简单解决时区问题</a:t>
+            </a:r>
+            <a:endParaRPr lang="en-US" altLang="zh-CN" sz="2800" dirty="0">
+              <a:solidFill>
+                <a:srgbClr val="000000">
+                  <a:lumMod val="75000"/>
+                  <a:lumOff val="25000"/>
+                </a:srgbClr>
+              </a:solidFill>
+            </a:endParaRPr>
+          </a:p>
+          <a:p>
+            <a:pPr marL="514350" lvl="0" indent="-514350">
+              <a:lnSpc>
+                <a:spcPct val="120000"/>
+              </a:lnSpc>
+              <a:spcBef>
+                <a:spcPts val="200"/>
+              </a:spcBef>
+              <a:buClr>
+                <a:srgbClr val="E48312"/>
+              </a:buClr>
+              <a:buFont typeface="+mj-lt"/>
+              <a:buAutoNum type="arabicPeriod"/>
+            </a:pPr>
+            <a:r>
+              <a:rPr lang="en-US" altLang="zh-CN" sz="2800" dirty="0" err="1">
+                <a:solidFill>
+                  <a:srgbClr val="000000">
+                    <a:lumMod val="75000"/>
+                    <a:lumOff val="25000"/>
+                  </a:srgbClr>
+                </a:solidFill>
+              </a:rPr>
+              <a:t>staTime</a:t>
+            </a:r>
+            <a:r>
+              <a:rPr lang="zh-CN" altLang="en-US" sz="2800" dirty="0">
+                <a:solidFill>
+                  <a:srgbClr val="000000">
+                    <a:lumMod val="75000"/>
+                    <a:lumOff val="25000"/>
+                  </a:srgbClr>
+                </a:solidFill>
+              </a:rPr>
+              <a:t>、</a:t>
+            </a:r>
+            <a:r>
+              <a:rPr lang="en-US" altLang="zh-CN" sz="2800" dirty="0">
+                <a:solidFill>
+                  <a:srgbClr val="000000">
+                    <a:lumMod val="75000"/>
+                    <a:lumOff val="25000"/>
+                  </a:srgbClr>
+                </a:solidFill>
+              </a:rPr>
+              <a:t> </a:t>
+            </a:r>
+            <a:r>
+              <a:rPr lang="en-US" altLang="zh-CN" sz="2800" dirty="0" err="1">
+                <a:solidFill>
+                  <a:srgbClr val="000000">
+                    <a:lumMod val="75000"/>
+                    <a:lumOff val="25000"/>
+                  </a:srgbClr>
+                </a:solidFill>
+              </a:rPr>
+              <a:t>nowTime</a:t>
+            </a:r>
+            <a:r>
+              <a:rPr lang="zh-CN" altLang="en-US" sz="2800" dirty="0">
+                <a:solidFill>
+                  <a:srgbClr val="000000">
+                    <a:lumMod val="75000"/>
+                    <a:lumOff val="25000"/>
+                  </a:srgbClr>
+                </a:solidFill>
+              </a:rPr>
+              <a:t>均从服务端获取：</a:t>
+            </a:r>
+            <a:endParaRPr lang="en-US" altLang="zh-CN" sz="2800" dirty="0">
+              <a:solidFill>
+                <a:srgbClr val="000000">
+                  <a:lumMod val="75000"/>
+                  <a:lumOff val="25000"/>
+                </a:srgbClr>
+              </a:solidFill>
+            </a:endParaRPr>
+          </a:p>
+          <a:p>
+            <a:pPr marL="749808" lvl="1" indent="-457200">
+              <a:lnSpc>
+                <a:spcPct val="120000"/>
+              </a:lnSpc>
+              <a:buClr>
+                <a:srgbClr val="E48312"/>
+              </a:buClr>
+            </a:pPr>
+            <a:r>
+              <a:rPr lang="zh-CN" altLang="en-US" sz="2600" dirty="0">
+                <a:solidFill>
+                  <a:srgbClr val="000000">
+                    <a:lumMod val="75000"/>
+                    <a:lumOff val="25000"/>
+                  </a:srgbClr>
+                </a:solidFill>
+              </a:rPr>
+              <a:t>可让客户端处理服务端返回的</a:t>
+            </a:r>
+            <a:r>
+              <a:rPr lang="en-US" altLang="zh-CN" sz="2600" dirty="0" err="1">
+                <a:solidFill>
+                  <a:srgbClr val="000000">
+                    <a:lumMod val="75000"/>
+                    <a:lumOff val="25000"/>
+                  </a:srgbClr>
+                </a:solidFill>
+              </a:rPr>
+              <a:t>endTime</a:t>
+            </a:r>
+            <a:r>
+              <a:rPr lang="zh-CN" altLang="en-US" sz="2600" dirty="0">
+                <a:solidFill>
+                  <a:srgbClr val="000000">
+                    <a:lumMod val="75000"/>
+                    <a:lumOff val="25000"/>
+                  </a:srgbClr>
+                </a:solidFill>
+              </a:rPr>
+              <a:t>，以正确显示；</a:t>
+            </a:r>
+            <a:endParaRPr lang="en-US" altLang="zh-CN" sz="2600" dirty="0">
+              <a:solidFill>
+                <a:srgbClr val="000000">
+                  <a:lumMod val="75000"/>
+                  <a:lumOff val="25000"/>
+                </a:srgbClr>
+              </a:solidFill>
+            </a:endParaRPr>
+          </a:p>
+          <a:p>
+            <a:pPr marL="749808" lvl="1" indent="-457200">
+              <a:lnSpc>
+                <a:spcPct val="120000"/>
+              </a:lnSpc>
+              <a:buClr>
+                <a:srgbClr val="E48312"/>
+              </a:buClr>
+            </a:pPr>
+            <a:r>
+              <a:rPr lang="zh-CN" altLang="en-US" sz="2600" dirty="0">
+                <a:solidFill>
+                  <a:srgbClr val="000000">
+                    <a:lumMod val="75000"/>
+                    <a:lumOff val="25000"/>
+                  </a:srgbClr>
+                </a:solidFill>
+              </a:rPr>
+              <a:t>可以在</a:t>
+            </a:r>
+            <a:r>
+              <a:rPr lang="en-US" altLang="zh-CN" sz="2600" dirty="0">
+                <a:solidFill>
+                  <a:srgbClr val="000000">
+                    <a:lumMod val="75000"/>
+                    <a:lumOff val="25000"/>
+                  </a:srgbClr>
+                </a:solidFill>
+              </a:rPr>
+              <a:t>HTTP</a:t>
+            </a:r>
+            <a:r>
+              <a:rPr lang="zh-CN" altLang="en-US" sz="2600" dirty="0">
+                <a:solidFill>
+                  <a:srgbClr val="000000">
+                    <a:lumMod val="75000"/>
+                    <a:lumOff val="25000"/>
+                  </a:srgbClr>
+                </a:solidFill>
+              </a:rPr>
+              <a:t>请求中携带客户端时区信息，以正确显示</a:t>
+            </a:r>
+            <a:r>
+              <a:rPr lang="en-US" altLang="zh-CN" sz="2600" dirty="0" err="1">
+                <a:solidFill>
+                  <a:srgbClr val="000000">
+                    <a:lumMod val="75000"/>
+                    <a:lumOff val="25000"/>
+                  </a:srgbClr>
+                </a:solidFill>
+              </a:rPr>
+              <a:t>endTime</a:t>
+            </a:r>
+            <a:r>
+              <a:rPr lang="zh-CN" altLang="en-US" sz="2600" dirty="0">
+                <a:solidFill>
+                  <a:srgbClr val="000000">
+                    <a:lumMod val="75000"/>
+                    <a:lumOff val="25000"/>
+                  </a:srgbClr>
+                </a:solidFill>
+              </a:rPr>
+              <a:t>；</a:t>
+            </a:r>
+            <a:endParaRPr lang="en-US" altLang="zh-CN" sz="2600" dirty="0">
+              <a:solidFill>
+                <a:srgbClr val="000000">
+                  <a:lumMod val="75000"/>
+                  <a:lumOff val="25000"/>
+                </a:srgbClr>
+              </a:solidFill>
+            </a:endParaRPr>
+          </a:p>
+          <a:p>
+            <a:pPr marL="749808" lvl="1" indent="-457200">
+              <a:lnSpc>
+                <a:spcPct val="120000"/>
+              </a:lnSpc>
+              <a:buClr>
+                <a:srgbClr val="E48312"/>
+              </a:buClr>
+            </a:pPr>
+            <a:r>
+              <a:rPr lang="zh-CN" altLang="en-US" sz="2600" dirty="0">
+                <a:solidFill>
+                  <a:srgbClr val="000000">
+                    <a:lumMod val="75000"/>
+                    <a:lumOff val="25000"/>
+                  </a:srgbClr>
+                </a:solidFill>
+              </a:rPr>
+              <a:t>若以上两者均未实现，则只能显示</a:t>
+            </a:r>
+            <a:r>
+              <a:rPr lang="en-US" altLang="zh-CN" sz="2600" dirty="0" err="1">
+                <a:solidFill>
+                  <a:srgbClr val="000000">
+                    <a:lumMod val="75000"/>
+                    <a:lumOff val="25000"/>
+                  </a:srgbClr>
+                </a:solidFill>
+              </a:rPr>
+              <a:t>timeLef</a:t>
+            </a:r>
+            <a:r>
+              <a:rPr lang="zh-CN" altLang="en-US" sz="2600" dirty="0">
+                <a:solidFill>
+                  <a:srgbClr val="000000">
+                    <a:lumMod val="75000"/>
+                    <a:lumOff val="25000"/>
+                  </a:srgbClr>
+                </a:solidFill>
+              </a:rPr>
+              <a:t>。</a:t>
+            </a:r>
+            <a:endParaRPr lang="en-US" altLang="zh-CN" sz="2800" dirty="0">
+              <a:solidFill>
+                <a:srgbClr val="000000">
+                  <a:lumMod val="75000"/>
+                  <a:lumOff val="25000"/>
+                </a:srgbClr>
+              </a:solidFill>
+            </a:endParaRPr>
+          </a:p>
+          <a:p>
+            <a:pPr marL="457200" lvl="0" indent="-457200">
+              <a:lnSpc>
+                <a:spcPct val="120000"/>
+              </a:lnSpc>
+              <a:spcBef>
+                <a:spcPts val="200"/>
+              </a:spcBef>
+              <a:buClr>
+                <a:srgbClr val="E48312"/>
+              </a:buClr>
+              <a:buFont typeface="+mj-lt"/>
+              <a:buAutoNum type="arabicPeriod"/>
+            </a:pPr>
+            <a:endParaRPr lang="en-US" altLang="zh-CN" sz="2800" dirty="0">
+              <a:solidFill>
+                <a:srgbClr val="000000">
+                  <a:lumMod val="75000"/>
+                  <a:lumOff val="25000"/>
+                </a:srgbClr>
+              </a:solidFill>
+            </a:endParaRPr>
+          </a:p>
+        </p:txBody>
+      </p:sp>
+    </p:spTree>
+    <p:extLst>
+      <p:ext uri="{BB962C8B-B14F-4D97-AF65-F5344CB8AC3E}">
+        <p14:creationId xmlns:p14="http://schemas.microsoft.com/office/powerpoint/2010/main" val="280789017"/>
       </p:ext>
     </p:extLst>
   </p:cSld>
@@ -5832,7 +9168,7 @@
           <a:p>
             <a:r>
               <a:rPr lang="zh-CN" altLang="en-US" dirty="0"/>
-              <a:t>实验</a:t>
+              <a:t>时间格式有效性测试</a:t>
             </a:r>
           </a:p>
         </p:txBody>
@@ -5880,7 +9216,7 @@
             </a:r>
             <a:r>
               <a:rPr lang="zh-CN" altLang="en-US" sz="2400" dirty="0"/>
-              <a:t>情景：一位在中国上海的开发者在</a:t>
+              <a:t>情景：一位在俄罗斯莫斯科的开发者在</a:t>
             </a:r>
             <a:r>
               <a:rPr lang="en-US" altLang="zh-CN" sz="2400" dirty="0"/>
@@ -5912,7 +9248,15 @@
             </a:r>
             <a:r>
               <a:rPr lang="zh-CN" altLang="en-US" sz="2400" dirty="0"/>
-              <a:t>点（北京时间）给一位美国洛杉矶的开发者分配了一条任务，要求两天内完成。该如何对时间进行处理？</a:t>
+              <a:t>点（莫斯科时间）给一位美国洛杉矶的开发者发布了一条任务，要求两天内完成。该如何对时间进行处理？如何计算莫斯科</a:t>
+            </a:r>
+            <a:r>
+              <a:rPr lang="en-US" altLang="zh-CN" sz="2400" dirty="0"/>
+              <a:t>/</a:t>
+            </a:r>
+            <a:r>
+              <a:rPr lang="zh-CN" altLang="en-US" sz="2400" dirty="0"/>
+              <a:t>洛杉矶的任务发布时间与截止时间？</a:t>
             </a:r>
             <a:endParaRPr lang="en-US" altLang="zh-CN" sz="2400" dirty="0"/>
           </a:p>
@@ -5939,41 +9283,57 @@
               <a:buNone/>
             </a:pPr>
             <a:r>
-              <a:rPr lang="zh-CN" altLang="en-US" sz="2400" dirty="0"/>
+              <a:rPr lang="zh-CN" altLang="en-US" sz="2200" dirty="0"/>
               <a:t>任务发布时间（</a:t>
             </a:r>
             <a:r>
-              <a:rPr lang="en-US" altLang="zh-CN" sz="2400" dirty="0"/>
+              <a:rPr lang="en-US" altLang="zh-CN" sz="2200" dirty="0"/>
               <a:t>UNIX/ISO 8601</a:t>
             </a:r>
             <a:r>
-              <a:rPr lang="zh-CN" altLang="en-US" sz="2400" dirty="0"/>
-              <a:t>） </a:t>
-            </a:r>
-            <a:r>
-              <a:rPr lang="en-US" altLang="zh-CN" sz="2400" dirty="0"/>
-              <a:t>+ 2days = </a:t>
-            </a:r>
-            <a:r>
-              <a:rPr lang="zh-CN" altLang="en-US" sz="2400" dirty="0"/>
+              <a:rPr lang="zh-CN" altLang="en-US" sz="2200" dirty="0"/>
+              <a:t>）</a:t>
+            </a:r>
+            <a:r>
+              <a:rPr lang="en-US" altLang="zh-CN" sz="2200" dirty="0"/>
+              <a:t>+</a:t>
+            </a:r>
+            <a:r>
+              <a:rPr lang="zh-CN" altLang="en-US" sz="2200" dirty="0"/>
+              <a:t>持续时间（</a:t>
+            </a:r>
+            <a:r>
+              <a:rPr lang="en-US" altLang="zh-CN" sz="2200" dirty="0"/>
+              <a:t>2</a:t>
+            </a:r>
+            <a:r>
+              <a:rPr lang="zh-CN" altLang="en-US" sz="2200" dirty="0"/>
+              <a:t>天）</a:t>
+            </a:r>
+            <a:r>
+              <a:rPr lang="en-US" altLang="zh-CN" sz="2200" dirty="0"/>
+              <a:t>=</a:t>
+            </a:r>
+            <a:r>
+              <a:rPr lang="zh-CN" altLang="en-US" sz="2200" dirty="0"/>
               <a:t>任务截止时间（</a:t>
             </a:r>
             <a:r>
-              <a:rPr lang="en-US" altLang="zh-CN" sz="2400" dirty="0"/>
+              <a:rPr lang="en-US" altLang="zh-CN" sz="2200" dirty="0"/>
               <a:t>UNIX/ISO 8601</a:t>
             </a:r>
             <a:r>
-              <a:rPr lang="zh-CN" altLang="en-US" sz="2400" dirty="0"/>
+              <a:rPr lang="zh-CN" altLang="en-US" sz="2200" dirty="0"/>
               <a:t>）</a:t>
             </a:r>
-            <a:endParaRPr lang="en-US" altLang="zh-CN" sz="2400" dirty="0"/>
+            <a:endParaRPr lang="en-US" altLang="zh-CN" sz="2200" dirty="0"/>
           </a:p>
         </p:txBody>
       </p:sp>
     </p:spTree>
     <p:extLst>
       <p:ext uri="{BB962C8B-B14F-4D97-AF65-F5344CB8AC3E}">
-        <p14:creationId xmlns:p14="http://schemas.microsoft.com/office/powerpoint/2010/main" val="1645131900"/>
+        <p14:creationId xmlns:p14="http://schemas.microsoft.com/office/powerpoint/2010/main" val="977159657"/>
       </p:ext>
     </p:extLst>
   </p:cSld>

--- a/跨时区.pptx
+++ b/跨时区.pptx
@@ -19,7 +19,7 @@
     <p:sldId id="270" r:id="rId13"/>
     <p:sldId id="271" r:id="rId14"/>
     <p:sldId id="272" r:id="rId15"/>
-    <p:sldId id="273" r:id="rId16"/>
+    <p:sldId id="274" r:id="rId16"/>
   </p:sldIdLst>
   <p:sldSz cx="12192000" cy="6858000"/>
   <p:notesSz cx="6858000" cy="9144000"/>
@@ -356,7 +356,7 @@
           <a:p>
             <a:fld id="{A8B3A221-DF26-4082-95D4-F7FFF8E76C79}" type="datetimeFigureOut">
               <a:rPr lang="zh-CN" altLang="en-US" smtClean="0"/>
-              <a:t>2017/12/11</a:t>
+              <a:t>2017/12/13</a:t>
             </a:fld>
             <a:endParaRPr lang="zh-CN" altLang="en-US"/>
           </a:p>
@@ -564,7 +564,7 @@
           <a:p>
             <a:fld id="{A8B3A221-DF26-4082-95D4-F7FFF8E76C79}" type="datetimeFigureOut">
               <a:rPr lang="zh-CN" altLang="en-US" smtClean="0"/>
-              <a:t>2017/12/11</a:t>
+              <a:t>2017/12/13</a:t>
             </a:fld>
             <a:endParaRPr lang="zh-CN" altLang="en-US"/>
           </a:p>
@@ -820,7 +820,7 @@
           <a:p>
             <a:fld id="{A8B3A221-DF26-4082-95D4-F7FFF8E76C79}" type="datetimeFigureOut">
               <a:rPr lang="zh-CN" altLang="en-US" smtClean="0"/>
-              <a:t>2017/12/11</a:t>
+              <a:t>2017/12/13</a:t>
             </a:fld>
             <a:endParaRPr lang="zh-CN" altLang="en-US"/>
           </a:p>
@@ -994,7 +994,7 @@
           <a:p>
             <a:fld id="{A8B3A221-DF26-4082-95D4-F7FFF8E76C79}" type="datetimeFigureOut">
               <a:rPr lang="zh-CN" altLang="en-US" smtClean="0"/>
-              <a:t>2017/12/11</a:t>
+              <a:t>2017/12/13</a:t>
             </a:fld>
             <a:endParaRPr lang="zh-CN" altLang="en-US"/>
           </a:p>
@@ -1337,7 +1337,7 @@
           <a:p>
             <a:fld id="{A8B3A221-DF26-4082-95D4-F7FFF8E76C79}" type="datetimeFigureOut">
               <a:rPr lang="zh-CN" altLang="en-US" smtClean="0"/>
-              <a:t>2017/12/11</a:t>
+              <a:t>2017/12/13</a:t>
             </a:fld>
             <a:endParaRPr lang="zh-CN" altLang="en-US"/>
           </a:p>
@@ -1612,7 +1612,7 @@
           <a:p>
             <a:fld id="{A8B3A221-DF26-4082-95D4-F7FFF8E76C79}" type="datetimeFigureOut">
               <a:rPr lang="zh-CN" altLang="en-US" smtClean="0"/>
-              <a:t>2017/12/11</a:t>
+              <a:t>2017/12/13</a:t>
             </a:fld>
             <a:endParaRPr lang="zh-CN" altLang="en-US"/>
           </a:p>
@@ -1991,7 +1991,7 @@
           <a:p>
             <a:fld id="{A8B3A221-DF26-4082-95D4-F7FFF8E76C79}" type="datetimeFigureOut">
               <a:rPr lang="zh-CN" altLang="en-US" smtClean="0"/>
-              <a:t>2017/12/11</a:t>
+              <a:t>2017/12/13</a:t>
             </a:fld>
             <a:endParaRPr lang="zh-CN" altLang="en-US"/>
           </a:p>
@@ -2109,7 +2109,7 @@
           <a:p>
             <a:fld id="{A8B3A221-DF26-4082-95D4-F7FFF8E76C79}" type="datetimeFigureOut">
               <a:rPr lang="zh-CN" altLang="en-US" smtClean="0"/>
-              <a:t>2017/12/11</a:t>
+              <a:t>2017/12/13</a:t>
             </a:fld>
             <a:endParaRPr lang="zh-CN" altLang="en-US"/>
           </a:p>
@@ -2280,7 +2280,7 @@
           <a:p>
             <a:fld id="{A8B3A221-DF26-4082-95D4-F7FFF8E76C79}" type="datetimeFigureOut">
               <a:rPr lang="zh-CN" altLang="en-US" smtClean="0"/>
-              <a:t>2017/12/11</a:t>
+              <a:t>2017/12/13</a:t>
             </a:fld>
             <a:endParaRPr lang="zh-CN" altLang="en-US"/>
           </a:p>
@@ -2634,7 +2634,7 @@
           <a:p>
             <a:fld id="{A8B3A221-DF26-4082-95D4-F7FFF8E76C79}" type="datetimeFigureOut">
               <a:rPr lang="zh-CN" altLang="en-US" smtClean="0"/>
-              <a:t>2017/12/11</a:t>
+              <a:t>2017/12/13</a:t>
             </a:fld>
             <a:endParaRPr lang="zh-CN" altLang="en-US"/>
           </a:p>
@@ -3016,7 +3016,7 @@
           <a:p>
             <a:fld id="{A8B3A221-DF26-4082-95D4-F7FFF8E76C79}" type="datetimeFigureOut">
               <a:rPr lang="zh-CN" altLang="en-US" smtClean="0"/>
-              <a:t>2017/12/11</a:t>
+              <a:t>2017/12/13</a:t>
             </a:fld>
             <a:endParaRPr lang="zh-CN" altLang="en-US"/>
           </a:p>
@@ -3303,7 +3303,7 @@
           <a:p>
             <a:fld id="{A8B3A221-DF26-4082-95D4-F7FFF8E76C79}" type="datetimeFigureOut">
               <a:rPr lang="zh-CN" altLang="en-US" smtClean="0"/>
-              <a:t>2017/12/11</a:t>
+              <a:t>2017/12/13</a:t>
             </a:fld>
             <a:endParaRPr lang="zh-CN" altLang="en-US"/>
           </a:p>
@@ -4075,7 +4075,7 @@
                   </a:srgbClr>
                 </a:solidFill>
               </a:rPr>
-              <a:t>相关时间变量：</a:t>
+              <a:t>上例中的相关时间变量：</a:t>
             </a:r>
             <a:endParaRPr lang="en-US" altLang="zh-CN" sz="2800" dirty="0">
               <a:solidFill>
@@ -4108,7 +4108,29 @@
                   </a:srgbClr>
                 </a:solidFill>
               </a:rPr>
-              <a:t>开始时间</a:t>
+              <a:t>任务创建时间</a:t>
+            </a:r>
+            <a:r>
+              <a:rPr lang="en-US" altLang="zh-CN" sz="2800" dirty="0" err="1">
+                <a:solidFill>
+                  <a:srgbClr val="000000">
+                    <a:lumMod val="75000"/>
+                    <a:lumOff val="25000"/>
+                  </a:srgbClr>
+                </a:solidFill>
+              </a:rPr>
+              <a:t>creTime</a:t>
+            </a:r>
+            <a:r>
+              <a:rPr lang="zh-CN" altLang="en-US" sz="2800" dirty="0">
+                <a:solidFill>
+                  <a:srgbClr val="000000">
+                    <a:lumMod val="75000"/>
+                    <a:lumOff val="25000"/>
+                  </a:srgbClr>
+                </a:solidFill>
+              </a:rPr>
+              <a:t>、开始时间</a:t>
             </a:r>
             <a:r>
               <a:rPr lang="en-US" altLang="zh-CN" sz="2800" dirty="0" err="1">
@@ -4231,6 +4253,72 @@
               </a:buClr>
               <a:buNone/>
             </a:pPr>
+            <a:r>
+              <a:rPr lang="zh-CN" altLang="en-US" sz="2800" dirty="0">
+                <a:solidFill>
+                  <a:srgbClr val="000000">
+                    <a:lumMod val="75000"/>
+                    <a:lumOff val="25000"/>
+                  </a:srgbClr>
+                </a:solidFill>
+              </a:rPr>
+              <a:t>（这里假定</a:t>
+            </a:r>
+            <a:r>
+              <a:rPr lang="en-US" altLang="zh-CN" sz="2800" dirty="0" err="1">
+                <a:solidFill>
+                  <a:srgbClr val="000000">
+                    <a:lumMod val="75000"/>
+                    <a:lumOff val="25000"/>
+                  </a:srgbClr>
+                </a:solidFill>
+              </a:rPr>
+              <a:t>creTime</a:t>
+            </a:r>
+            <a:r>
+              <a:rPr lang="en-US" altLang="zh-CN" sz="2800" dirty="0">
+                <a:solidFill>
+                  <a:srgbClr val="000000">
+                    <a:lumMod val="75000"/>
+                    <a:lumOff val="25000"/>
+                  </a:srgbClr>
+                </a:solidFill>
+              </a:rPr>
+              <a:t> === </a:t>
+            </a:r>
+            <a:r>
+              <a:rPr lang="en-US" altLang="zh-CN" sz="2800" dirty="0" err="1">
+                <a:solidFill>
+                  <a:srgbClr val="000000">
+                    <a:lumMod val="75000"/>
+                    <a:lumOff val="25000"/>
+                  </a:srgbClr>
+                </a:solidFill>
+              </a:rPr>
+              <a:t>staTime</a:t>
+            </a:r>
+            <a:r>
+              <a:rPr lang="en-US" altLang="zh-CN" sz="2800" dirty="0">
+                <a:solidFill>
+                  <a:srgbClr val="000000">
+                    <a:lumMod val="75000"/>
+                    <a:lumOff val="25000"/>
+                  </a:srgbClr>
+                </a:solidFill>
+              </a:rPr>
+              <a:t> </a:t>
+            </a:r>
+            <a:r>
+              <a:rPr lang="zh-CN" altLang="en-US" sz="2800" dirty="0">
+                <a:solidFill>
+                  <a:srgbClr val="000000">
+                    <a:lumMod val="75000"/>
+                    <a:lumOff val="25000"/>
+                  </a:srgbClr>
+                </a:solidFill>
+              </a:rPr>
+              <a:t>）</a:t>
+            </a:r>
             <a:endParaRPr lang="en-US" altLang="zh-CN" sz="2800" dirty="0">
               <a:solidFill>
                 <a:srgbClr val="000000">
@@ -4893,7 +4981,7 @@
                   </a:srgbClr>
                 </a:solidFill>
               </a:rPr>
-              <a:t>可以获取当地时区，以获得当地时间</a:t>
+              <a:t>可以获取当地时区，以换算当地时间</a:t>
             </a:r>
             <a:endParaRPr lang="en-US" altLang="zh-CN" sz="2400" dirty="0">
               <a:solidFill>
@@ -5127,14 +5215,6 @@
               <a:rPr lang="zh-CN" altLang="en-US" dirty="0"/>
               <a:t>时间信息的获取</a:t>
             </a:r>
-            <a:r>
-              <a:rPr lang="en-US" altLang="zh-CN" dirty="0"/>
-              <a:t>/</a:t>
-            </a:r>
-            <a:r>
-              <a:rPr lang="zh-CN" altLang="en-US" dirty="0"/>
-              <a:t>计算</a:t>
-            </a:r>
           </a:p>
         </p:txBody>
       </p:sp>
@@ -5539,7 +5619,7 @@
                   </a:srgbClr>
                 </a:solidFill>
               </a:rPr>
-              <a:t>可以获取当地时区，以获得当地时间</a:t>
+              <a:t>可以获取当地时区，以换算当地时间</a:t>
             </a:r>
             <a:endParaRPr lang="en-US" altLang="zh-CN" sz="2400" dirty="0">
               <a:solidFill>
@@ -5751,14 +5831,6 @@
               <a:rPr lang="zh-CN" altLang="en-US" dirty="0"/>
               <a:t>时间信息的获取</a:t>
             </a:r>
-            <a:r>
-              <a:rPr lang="en-US" altLang="zh-CN" dirty="0"/>
-              <a:t>/</a:t>
-            </a:r>
-            <a:r>
-              <a:rPr lang="zh-CN" altLang="en-US" dirty="0"/>
-              <a:t>计算</a:t>
-            </a:r>
           </a:p>
         </p:txBody>
       </p:sp>
@@ -5823,17 +5895,6 @@
                 </a:solidFill>
               </a:rPr>
               <a:t>从客户端获取，</a:t>
-            </a:r>
-            <a:r>
-              <a:rPr lang="en-US" altLang="zh-CN" sz="2800" dirty="0">
-                <a:solidFill>
-                  <a:srgbClr val="000000">
-                    <a:lumMod val="75000"/>
-                    <a:lumOff val="25000"/>
-                  </a:srgbClr>
-                </a:solidFill>
-              </a:rPr>
-              <a:t> </a:t>
             </a:r>
             <a:r>
               <a:rPr lang="en-US" altLang="zh-CN" sz="2800" dirty="0" err="1">
@@ -6298,14 +6359,6 @@
               <a:rPr lang="zh-CN" altLang="en-US" dirty="0"/>
               <a:t>时间信息的获取</a:t>
             </a:r>
-            <a:r>
-              <a:rPr lang="en-US" altLang="zh-CN" dirty="0"/>
-              <a:t>/</a:t>
-            </a:r>
-            <a:r>
-              <a:rPr lang="zh-CN" altLang="en-US" dirty="0"/>
-              <a:t>计算</a:t>
-            </a:r>
           </a:p>
         </p:txBody>
       </p:sp>
@@ -6869,7 +6922,7 @@
                   </a:srgbClr>
                 </a:solidFill>
               </a:rPr>
-              <a:t>时区显示</a:t>
+              <a:t>时区换算</a:t>
             </a:r>
             <a:r>
               <a:rPr lang="en-US" altLang="zh-CN" sz="2400" dirty="0" err="1">
@@ -6881,39 +6934,6 @@
                 </a:solidFill>
               </a:rPr>
               <a:t>endTime</a:t>
-            </a:r>
-            <a:r>
-              <a:rPr lang="zh-CN" altLang="en-US" sz="2400" dirty="0">
-                <a:solidFill>
-                  <a:srgbClr val="000000">
-                    <a:lumMod val="75000"/>
-                    <a:lumOff val="25000"/>
-                  </a:srgbClr>
-                </a:solidFill>
-              </a:rPr>
-              <a:t>，只能展示</a:t>
-            </a:r>
-            <a:r>
-              <a:rPr lang="en-US" altLang="zh-CN" sz="2400" dirty="0" err="1">
-                <a:solidFill>
-                  <a:srgbClr val="000000">
-                    <a:lumMod val="75000"/>
-                    <a:lumOff val="25000"/>
-                  </a:srgbClr>
-                </a:solidFill>
-              </a:rPr>
-              <a:t>timeLef</a:t>
-            </a:r>
-            <a:r>
-              <a:rPr lang="en-US" altLang="zh-CN" sz="2400" dirty="0">
-                <a:solidFill>
-                  <a:srgbClr val="000000">
-                    <a:lumMod val="75000"/>
-                    <a:lumOff val="25000"/>
-                  </a:srgbClr>
-                </a:solidFill>
-              </a:rPr>
-              <a:t> </a:t>
             </a:r>
             <a:r>
               <a:rPr lang="zh-CN" altLang="en-US" sz="2400" dirty="0">
@@ -7034,10 +7054,9 @@
           <a:lstStyle/>
           <a:p>
             <a:r>
-              <a:rPr lang="zh-CN" altLang="en-US"/>
+              <a:rPr lang="zh-CN" altLang="en-US" dirty="0"/>
               <a:t>总结</a:t>
             </a:r>
-            <a:endParaRPr lang="zh-CN" altLang="en-US" dirty="0"/>
           </a:p>
         </p:txBody>
       </p:sp>
@@ -7102,7 +7121,29 @@
                   </a:srgbClr>
                 </a:solidFill>
               </a:rPr>
-              <a:t>从服务端获取， </a:t>
+              <a:t>从服务端</a:t>
+            </a:r>
+            <a:r>
+              <a:rPr lang="en-US" altLang="zh-CN" sz="2800" dirty="0">
+                <a:solidFill>
+                  <a:srgbClr val="000000">
+                    <a:lumMod val="75000"/>
+                    <a:lumOff val="25000"/>
+                  </a:srgbClr>
+                </a:solidFill>
+              </a:rPr>
+              <a:t>/</a:t>
+            </a:r>
+            <a:r>
+              <a:rPr lang="zh-CN" altLang="en-US" sz="2800" dirty="0">
+                <a:solidFill>
+                  <a:srgbClr val="000000">
+                    <a:lumMod val="75000"/>
+                    <a:lumOff val="25000"/>
+                  </a:srgbClr>
+                </a:solidFill>
+              </a:rPr>
+              <a:t>客户端获取， </a:t>
             </a:r>
             <a:r>
               <a:rPr lang="en-US" altLang="zh-CN" sz="2800" dirty="0" err="1">
@@ -7416,7 +7457,7 @@
     </p:spTree>
     <p:extLst>
       <p:ext uri="{BB962C8B-B14F-4D97-AF65-F5344CB8AC3E}">
-        <p14:creationId xmlns:p14="http://schemas.microsoft.com/office/powerpoint/2010/main" val="280789017"/>
+        <p14:creationId xmlns:p14="http://schemas.microsoft.com/office/powerpoint/2010/main" val="114045838"/>
       </p:ext>
     </p:extLst>
   </p:cSld>
@@ -7529,7 +7570,7 @@
           <a:p>
             <a:r>
               <a:rPr lang="zh-CN" altLang="en-US" dirty="0"/>
-              <a:t>新功能也带来了一些新的问题，其中一个就是在跨时区的协作开发的情形下的时间的处理问题。例如：一个身处中国的硬件开发者给团队中一个身处美国的开发者分配了一条任务，要求两天完成。以现在对时间的处理方式（后端保存来自服务器的时间戳）是无法合理计算出任务的截止时间的。</a:t>
+              <a:t>新功能也带来了一些新的问题，其中一个就是在跨时区的协作开发的情形下的时间的处理问题。例如：一个身处中国的硬件开发者给团队中一个身处美国的开发者分配了一条任务，要求两天完成。以现在对时间的处理方式无法合理计算出任务的截止时间。</a:t>
             </a:r>
             <a:endParaRPr lang="en-US" altLang="zh-CN" dirty="0"/>
           </a:p>
@@ -9216,7 +9257,7 @@
             </a:r>
             <a:r>
               <a:rPr lang="zh-CN" altLang="en-US" sz="2400" dirty="0"/>
-              <a:t>情景：一位在俄罗斯莫斯科的开发者在</a:t>
+              <a:t>情景：一位在俄罗斯莫斯科的开发者给一位美国洛杉矶的开发者发布了一条任务，任务开始时间为</a:t>
             </a:r>
             <a:r>
               <a:rPr lang="en-US" altLang="zh-CN" sz="2400" dirty="0"/>
@@ -9248,7 +9289,7 @@
             </a:r>
             <a:r>
               <a:rPr lang="zh-CN" altLang="en-US" sz="2400" dirty="0"/>
-              <a:t>点（莫斯科时间）给一位美国洛杉矶的开发者发布了一条任务，要求两天内完成。该如何对时间进行处理？如何计算莫斯科</a:t>
+              <a:t>点（莫斯科时间），要求两天内完成。该如何对时间进行处理？如何计算莫斯科</a:t>
             </a:r>
             <a:r>
               <a:rPr lang="en-US" altLang="zh-CN" sz="2400" dirty="0"/>
@@ -9256,7 +9297,7 @@
             </a:r>
             <a:r>
               <a:rPr lang="zh-CN" altLang="en-US" sz="2400" dirty="0"/>
-              <a:t>洛杉矶的任务发布时间与截止时间？</a:t>
+              <a:t>洛杉矶的任务开始时间与截止时间？</a:t>
             </a:r>
             <a:endParaRPr lang="en-US" altLang="zh-CN" sz="2400" dirty="0"/>
           </a:p>
@@ -9283,8 +9324,12 @@
               <a:buNone/>
             </a:pPr>
             <a:r>
+              <a:rPr lang="zh-CN" altLang="en-US" dirty="0"/>
+              <a:t>任务开始</a:t>
+            </a:r>
+            <a:r>
               <a:rPr lang="zh-CN" altLang="en-US" sz="2200" dirty="0"/>
-              <a:t>任务发布时间（</a:t>
+              <a:t>时间（</a:t>
             </a:r>
             <a:r>
               <a:rPr lang="en-US" altLang="zh-CN" sz="2200" dirty="0"/>

--- a/跨时区.pptx
+++ b/跨时区.pptx
@@ -20,6 +20,8 @@
     <p:sldId id="271" r:id="rId14"/>
     <p:sldId id="272" r:id="rId15"/>
     <p:sldId id="274" r:id="rId16"/>
+    <p:sldId id="275" r:id="rId17"/>
+    <p:sldId id="277" r:id="rId18"/>
   </p:sldIdLst>
   <p:sldSz cx="12192000" cy="6858000"/>
   <p:notesSz cx="6858000" cy="9144000"/>
@@ -356,7 +358,7 @@
           <a:p>
             <a:fld id="{A8B3A221-DF26-4082-95D4-F7FFF8E76C79}" type="datetimeFigureOut">
               <a:rPr lang="zh-CN" altLang="en-US" smtClean="0"/>
-              <a:t>2017/12/13</a:t>
+              <a:t>2017/12/14</a:t>
             </a:fld>
             <a:endParaRPr lang="zh-CN" altLang="en-US"/>
           </a:p>
@@ -564,7 +566,7 @@
           <a:p>
             <a:fld id="{A8B3A221-DF26-4082-95D4-F7FFF8E76C79}" type="datetimeFigureOut">
               <a:rPr lang="zh-CN" altLang="en-US" smtClean="0"/>
-              <a:t>2017/12/13</a:t>
+              <a:t>2017/12/14</a:t>
             </a:fld>
             <a:endParaRPr lang="zh-CN" altLang="en-US"/>
           </a:p>
@@ -820,7 +822,7 @@
           <a:p>
             <a:fld id="{A8B3A221-DF26-4082-95D4-F7FFF8E76C79}" type="datetimeFigureOut">
               <a:rPr lang="zh-CN" altLang="en-US" smtClean="0"/>
-              <a:t>2017/12/13</a:t>
+              <a:t>2017/12/14</a:t>
             </a:fld>
             <a:endParaRPr lang="zh-CN" altLang="en-US"/>
           </a:p>
@@ -994,7 +996,7 @@
           <a:p>
             <a:fld id="{A8B3A221-DF26-4082-95D4-F7FFF8E76C79}" type="datetimeFigureOut">
               <a:rPr lang="zh-CN" altLang="en-US" smtClean="0"/>
-              <a:t>2017/12/13</a:t>
+              <a:t>2017/12/14</a:t>
             </a:fld>
             <a:endParaRPr lang="zh-CN" altLang="en-US"/>
           </a:p>
@@ -1337,7 +1339,7 @@
           <a:p>
             <a:fld id="{A8B3A221-DF26-4082-95D4-F7FFF8E76C79}" type="datetimeFigureOut">
               <a:rPr lang="zh-CN" altLang="en-US" smtClean="0"/>
-              <a:t>2017/12/13</a:t>
+              <a:t>2017/12/14</a:t>
             </a:fld>
             <a:endParaRPr lang="zh-CN" altLang="en-US"/>
           </a:p>
@@ -1612,7 +1614,7 @@
           <a:p>
             <a:fld id="{A8B3A221-DF26-4082-95D4-F7FFF8E76C79}" type="datetimeFigureOut">
               <a:rPr lang="zh-CN" altLang="en-US" smtClean="0"/>
-              <a:t>2017/12/13</a:t>
+              <a:t>2017/12/14</a:t>
             </a:fld>
             <a:endParaRPr lang="zh-CN" altLang="en-US"/>
           </a:p>
@@ -1991,7 +1993,7 @@
           <a:p>
             <a:fld id="{A8B3A221-DF26-4082-95D4-F7FFF8E76C79}" type="datetimeFigureOut">
               <a:rPr lang="zh-CN" altLang="en-US" smtClean="0"/>
-              <a:t>2017/12/13</a:t>
+              <a:t>2017/12/14</a:t>
             </a:fld>
             <a:endParaRPr lang="zh-CN" altLang="en-US"/>
           </a:p>
@@ -2109,7 +2111,7 @@
           <a:p>
             <a:fld id="{A8B3A221-DF26-4082-95D4-F7FFF8E76C79}" type="datetimeFigureOut">
               <a:rPr lang="zh-CN" altLang="en-US" smtClean="0"/>
-              <a:t>2017/12/13</a:t>
+              <a:t>2017/12/14</a:t>
             </a:fld>
             <a:endParaRPr lang="zh-CN" altLang="en-US"/>
           </a:p>
@@ -2280,7 +2282,7 @@
           <a:p>
             <a:fld id="{A8B3A221-DF26-4082-95D4-F7FFF8E76C79}" type="datetimeFigureOut">
               <a:rPr lang="zh-CN" altLang="en-US" smtClean="0"/>
-              <a:t>2017/12/13</a:t>
+              <a:t>2017/12/14</a:t>
             </a:fld>
             <a:endParaRPr lang="zh-CN" altLang="en-US"/>
           </a:p>
@@ -2634,7 +2636,7 @@
           <a:p>
             <a:fld id="{A8B3A221-DF26-4082-95D4-F7FFF8E76C79}" type="datetimeFigureOut">
               <a:rPr lang="zh-CN" altLang="en-US" smtClean="0"/>
-              <a:t>2017/12/13</a:t>
+              <a:t>2017/12/14</a:t>
             </a:fld>
             <a:endParaRPr lang="zh-CN" altLang="en-US"/>
           </a:p>
@@ -3016,7 +3018,7 @@
           <a:p>
             <a:fld id="{A8B3A221-DF26-4082-95D4-F7FFF8E76C79}" type="datetimeFigureOut">
               <a:rPr lang="zh-CN" altLang="en-US" smtClean="0"/>
-              <a:t>2017/12/13</a:t>
+              <a:t>2017/12/14</a:t>
             </a:fld>
             <a:endParaRPr lang="zh-CN" altLang="en-US"/>
           </a:p>
@@ -3303,7 +3305,7 @@
           <a:p>
             <a:fld id="{A8B3A221-DF26-4082-95D4-F7FFF8E76C79}" type="datetimeFigureOut">
               <a:rPr lang="zh-CN" altLang="en-US" smtClean="0"/>
-              <a:t>2017/12/13</a:t>
+              <a:t>2017/12/14</a:t>
             </a:fld>
             <a:endParaRPr lang="zh-CN" altLang="en-US"/>
           </a:p>
@@ -7055,7 +7057,7 @@
           <a:p>
             <a:r>
               <a:rPr lang="zh-CN" altLang="en-US" dirty="0"/>
-              <a:t>总结</a:t>
+              <a:t>小结</a:t>
             </a:r>
           </a:p>
         </p:txBody>
@@ -7165,7 +7167,7 @@
                   </a:srgbClr>
                 </a:solidFill>
               </a:rPr>
-              <a:t>从客户端获取，可简单解决时区问题</a:t>
+              <a:t>从客户端获取，可简单解决不同时区时间的显示问题；但需考虑客户端时间准确性；</a:t>
             </a:r>
             <a:endParaRPr lang="en-US" altLang="zh-CN" sz="2800" dirty="0">
               <a:solidFill>
@@ -7458,6 +7460,342 @@
     <p:extLst>
       <p:ext uri="{BB962C8B-B14F-4D97-AF65-F5344CB8AC3E}">
         <p14:creationId xmlns:p14="http://schemas.microsoft.com/office/powerpoint/2010/main" val="114045838"/>
+      </p:ext>
+    </p:extLst>
+  </p:cSld>
+  <p:clrMapOvr>
+    <a:masterClrMapping/>
+  </p:clrMapOvr>
+</p:sld>
+</file>
+
+<file path=ppt/slides/slide16.xml><?xml version="1.0" encoding="utf-8"?>
+<p:sld xmlns:a="http://schemas.openxmlformats.org/drawingml/2006/main" xmlns:r="http://schemas.openxmlformats.org/officeDocument/2006/relationships" xmlns:p="http://schemas.openxmlformats.org/presentationml/2006/main">
+  <p:cSld>
+    <p:spTree>
+      <p:nvGrpSpPr>
+        <p:cNvPr id="1" name=""/>
+        <p:cNvGrpSpPr/>
+        <p:nvPr/>
+      </p:nvGrpSpPr>
+      <p:grpSpPr>
+        <a:xfrm>
+          <a:off x="0" y="0"/>
+          <a:ext cx="0" cy="0"/>
+          <a:chOff x="0" y="0"/>
+          <a:chExt cx="0" cy="0"/>
+        </a:xfrm>
+      </p:grpSpPr>
+      <p:sp>
+        <p:nvSpPr>
+          <p:cNvPr id="2" name="标题 1">
+            <a:extLst>
+              <a:ext uri="{FF2B5EF4-FFF2-40B4-BE49-F238E27FC236}">
+                <a16:creationId xmlns:a16="http://schemas.microsoft.com/office/drawing/2014/main" id="{9176990D-DEC9-4D8B-94CD-4826B9799692}"/>
+              </a:ext>
+            </a:extLst>
+          </p:cNvPr>
+          <p:cNvSpPr>
+            <a:spLocks noGrp="1"/>
+          </p:cNvSpPr>
+          <p:nvPr>
+            <p:ph type="title"/>
+          </p:nvPr>
+        </p:nvSpPr>
+        <p:spPr/>
+        <p:txBody>
+          <a:bodyPr/>
+          <a:lstStyle/>
+          <a:p>
+            <a:r>
+              <a:rPr lang="zh-CN" altLang="en-US" dirty="0"/>
+              <a:t>实验</a:t>
+            </a:r>
+          </a:p>
+        </p:txBody>
+      </p:sp>
+    </p:spTree>
+    <p:extLst>
+      <p:ext uri="{BB962C8B-B14F-4D97-AF65-F5344CB8AC3E}">
+        <p14:creationId xmlns:p14="http://schemas.microsoft.com/office/powerpoint/2010/main" val="3468086341"/>
+      </p:ext>
+    </p:extLst>
+  </p:cSld>
+  <p:clrMapOvr>
+    <a:masterClrMapping/>
+  </p:clrMapOvr>
+</p:sld>
+</file>
+
+<file path=ppt/slides/slide17.xml><?xml version="1.0" encoding="utf-8"?>
+<p:sld xmlns:a="http://schemas.openxmlformats.org/drawingml/2006/main" xmlns:r="http://schemas.openxmlformats.org/officeDocument/2006/relationships" xmlns:p="http://schemas.openxmlformats.org/presentationml/2006/main">
+  <p:cSld>
+    <p:spTree>
+      <p:nvGrpSpPr>
+        <p:cNvPr id="1" name=""/>
+        <p:cNvGrpSpPr/>
+        <p:nvPr/>
+      </p:nvGrpSpPr>
+      <p:grpSpPr>
+        <a:xfrm>
+          <a:off x="0" y="0"/>
+          <a:ext cx="0" cy="0"/>
+          <a:chOff x="0" y="0"/>
+          <a:chExt cx="0" cy="0"/>
+        </a:xfrm>
+      </p:grpSpPr>
+      <p:sp>
+        <p:nvSpPr>
+          <p:cNvPr id="2" name="标题 1">
+            <a:extLst>
+              <a:ext uri="{FF2B5EF4-FFF2-40B4-BE49-F238E27FC236}">
+                <a16:creationId xmlns:a16="http://schemas.microsoft.com/office/drawing/2014/main" id="{9176990D-DEC9-4D8B-94CD-4826B9799692}"/>
+              </a:ext>
+            </a:extLst>
+          </p:cNvPr>
+          <p:cNvSpPr>
+            <a:spLocks noGrp="1"/>
+          </p:cNvSpPr>
+          <p:nvPr>
+            <p:ph type="title"/>
+          </p:nvPr>
+        </p:nvSpPr>
+        <p:spPr/>
+        <p:txBody>
+          <a:bodyPr/>
+          <a:lstStyle/>
+          <a:p>
+            <a:r>
+              <a:rPr lang="zh-CN" altLang="en-US" dirty="0"/>
+              <a:t>谢谢！</a:t>
+            </a:r>
+            <a:r>
+              <a:rPr lang="en-US" altLang="zh-CN" dirty="0"/>
+              <a:t>~</a:t>
+            </a:r>
+            <a:endParaRPr lang="zh-CN" altLang="en-US" dirty="0"/>
+          </a:p>
+        </p:txBody>
+      </p:sp>
+      <p:sp>
+        <p:nvSpPr>
+          <p:cNvPr id="3" name="内容占位符 2">
+            <a:extLst>
+              <a:ext uri="{FF2B5EF4-FFF2-40B4-BE49-F238E27FC236}">
+                <a16:creationId xmlns:a16="http://schemas.microsoft.com/office/drawing/2014/main" id="{D093F4B0-0508-4F31-821C-DFE5DA344089}"/>
+              </a:ext>
+            </a:extLst>
+          </p:cNvPr>
+          <p:cNvSpPr>
+            <a:spLocks noGrp="1"/>
+          </p:cNvSpPr>
+          <p:nvPr>
+            <p:ph idx="1"/>
+          </p:nvPr>
+        </p:nvSpPr>
+        <p:spPr>
+          <a:xfrm>
+            <a:off x="1097280" y="1845734"/>
+            <a:ext cx="10058400" cy="4504266"/>
+          </a:xfrm>
+        </p:spPr>
+        <p:txBody>
+          <a:bodyPr>
+            <a:normAutofit/>
+          </a:bodyPr>
+          <a:lstStyle/>
+          <a:p>
+            <a:pPr marL="514350" lvl="0" indent="-514350">
+              <a:lnSpc>
+                <a:spcPct val="120000"/>
+              </a:lnSpc>
+              <a:spcBef>
+                <a:spcPts val="200"/>
+              </a:spcBef>
+              <a:buClr>
+                <a:srgbClr val="E48312"/>
+              </a:buClr>
+              <a:buFont typeface="+mj-lt"/>
+              <a:buAutoNum type="arabicPeriod"/>
+            </a:pPr>
+            <a:r>
+              <a:rPr lang="zh-CN" altLang="en-US" sz="2800" dirty="0">
+                <a:solidFill>
+                  <a:srgbClr val="000000">
+                    <a:lumMod val="75000"/>
+                    <a:lumOff val="25000"/>
+                  </a:srgbClr>
+                </a:solidFill>
+              </a:rPr>
+              <a:t>逝者如斯夫，不舍昼夜</a:t>
+            </a:r>
+            <a:endParaRPr lang="en-US" altLang="zh-CN" sz="2800" dirty="0">
+              <a:solidFill>
+                <a:srgbClr val="000000">
+                  <a:lumMod val="75000"/>
+                  <a:lumOff val="25000"/>
+                </a:srgbClr>
+              </a:solidFill>
+            </a:endParaRPr>
+          </a:p>
+          <a:p>
+            <a:pPr marL="514350" lvl="0" indent="-514350">
+              <a:lnSpc>
+                <a:spcPct val="120000"/>
+              </a:lnSpc>
+              <a:spcBef>
+                <a:spcPts val="200"/>
+              </a:spcBef>
+              <a:buClr>
+                <a:srgbClr val="E48312"/>
+              </a:buClr>
+              <a:buFont typeface="+mj-lt"/>
+              <a:buAutoNum type="arabicPeriod"/>
+            </a:pPr>
+            <a:r>
+              <a:rPr lang="zh-CN" altLang="en-US" sz="2800" dirty="0">
+                <a:solidFill>
+                  <a:srgbClr val="000000">
+                    <a:lumMod val="75000"/>
+                    <a:lumOff val="25000"/>
+                  </a:srgbClr>
+                </a:solidFill>
+              </a:rPr>
+              <a:t>一寸光阴一寸金，寸金难买寸光阴</a:t>
+            </a:r>
+            <a:endParaRPr lang="en-US" altLang="zh-CN" sz="2800" dirty="0">
+              <a:solidFill>
+                <a:srgbClr val="000000">
+                  <a:lumMod val="75000"/>
+                  <a:lumOff val="25000"/>
+                </a:srgbClr>
+              </a:solidFill>
+            </a:endParaRPr>
+          </a:p>
+          <a:p>
+            <a:pPr marL="514350" lvl="0" indent="-514350">
+              <a:lnSpc>
+                <a:spcPct val="120000"/>
+              </a:lnSpc>
+              <a:spcBef>
+                <a:spcPts val="200"/>
+              </a:spcBef>
+              <a:buClr>
+                <a:srgbClr val="E48312"/>
+              </a:buClr>
+              <a:buFont typeface="+mj-lt"/>
+              <a:buAutoNum type="arabicPeriod"/>
+            </a:pPr>
+            <a:r>
+              <a:rPr lang="en-US" altLang="zh-CN" sz="2800" dirty="0">
+                <a:solidFill>
+                  <a:srgbClr val="000000">
+                    <a:lumMod val="75000"/>
+                    <a:lumOff val="25000"/>
+                  </a:srgbClr>
+                </a:solidFill>
+              </a:rPr>
+              <a:t>yesterday</a:t>
+            </a:r>
+            <a:r>
+              <a:rPr lang="zh-CN" altLang="en-US" sz="2800" dirty="0">
+                <a:solidFill>
+                  <a:srgbClr val="000000">
+                    <a:lumMod val="75000"/>
+                    <a:lumOff val="25000"/>
+                  </a:srgbClr>
+                </a:solidFill>
+              </a:rPr>
+              <a:t> </a:t>
+            </a:r>
+            <a:r>
+              <a:rPr lang="en-US" altLang="zh-CN" sz="2800" dirty="0">
+                <a:solidFill>
+                  <a:srgbClr val="000000">
+                    <a:lumMod val="75000"/>
+                    <a:lumOff val="25000"/>
+                  </a:srgbClr>
+                </a:solidFill>
+              </a:rPr>
+              <a:t>you</a:t>
+            </a:r>
+            <a:r>
+              <a:rPr lang="zh-CN" altLang="en-US" sz="2800" dirty="0">
+                <a:solidFill>
+                  <a:srgbClr val="000000">
+                    <a:lumMod val="75000"/>
+                    <a:lumOff val="25000"/>
+                  </a:srgbClr>
+                </a:solidFill>
+              </a:rPr>
+              <a:t> </a:t>
+            </a:r>
+            <a:r>
+              <a:rPr lang="en-US" altLang="zh-CN" sz="2800" dirty="0">
+                <a:solidFill>
+                  <a:srgbClr val="000000">
+                    <a:lumMod val="75000"/>
+                    <a:lumOff val="25000"/>
+                  </a:srgbClr>
+                </a:solidFill>
+              </a:rPr>
+              <a:t>said</a:t>
+            </a:r>
+            <a:r>
+              <a:rPr lang="zh-CN" altLang="en-US" sz="2800" dirty="0">
+                <a:solidFill>
+                  <a:srgbClr val="000000">
+                    <a:lumMod val="75000"/>
+                    <a:lumOff val="25000"/>
+                  </a:srgbClr>
+                </a:solidFill>
+              </a:rPr>
+              <a:t> </a:t>
+            </a:r>
+            <a:r>
+              <a:rPr lang="en-US" altLang="zh-CN" sz="2800" dirty="0">
+                <a:solidFill>
+                  <a:srgbClr val="000000">
+                    <a:lumMod val="75000"/>
+                    <a:lumOff val="25000"/>
+                  </a:srgbClr>
+                </a:solidFill>
+              </a:rPr>
+              <a:t>tomorrow</a:t>
+            </a:r>
+          </a:p>
+          <a:p>
+            <a:pPr marL="514350" lvl="0" indent="-514350">
+              <a:lnSpc>
+                <a:spcPct val="120000"/>
+              </a:lnSpc>
+              <a:spcBef>
+                <a:spcPts val="200"/>
+              </a:spcBef>
+              <a:buClr>
+                <a:srgbClr val="E48312"/>
+              </a:buClr>
+              <a:buFont typeface="+mj-lt"/>
+              <a:buAutoNum type="arabicPeriod"/>
+            </a:pPr>
+            <a:r>
+              <a:rPr lang="en-US" altLang="zh-CN" sz="2800" dirty="0">
+                <a:solidFill>
+                  <a:srgbClr val="000000">
+                    <a:lumMod val="75000"/>
+                    <a:lumOff val="25000"/>
+                  </a:srgbClr>
+                </a:solidFill>
+              </a:rPr>
+              <a:t>seize the day, make your life different</a:t>
+            </a:r>
+          </a:p>
+        </p:txBody>
+      </p:sp>
+    </p:spTree>
+    <p:extLst>
+      <p:ext uri="{BB962C8B-B14F-4D97-AF65-F5344CB8AC3E}">
+        <p14:creationId xmlns:p14="http://schemas.microsoft.com/office/powerpoint/2010/main" val="2372626859"/>
       </p:ext>
     </p:extLst>
   </p:cSld>

--- a/跨时区.pptx
+++ b/跨时区.pptx
@@ -7514,6 +7514,83 @@
           </a:p>
         </p:txBody>
       </p:sp>
+      <p:sp>
+        <p:nvSpPr>
+          <p:cNvPr id="3" name="内容占位符 2">
+            <a:extLst>
+              <a:ext uri="{FF2B5EF4-FFF2-40B4-BE49-F238E27FC236}">
+                <a16:creationId xmlns:a16="http://schemas.microsoft.com/office/drawing/2014/main" id="{47907CD2-7BA2-439D-BAAE-7DD4CE65F845}"/>
+              </a:ext>
+            </a:extLst>
+          </p:cNvPr>
+          <p:cNvSpPr>
+            <a:spLocks noGrp="1"/>
+          </p:cNvSpPr>
+          <p:nvPr>
+            <p:ph idx="1"/>
+          </p:nvPr>
+        </p:nvSpPr>
+        <p:spPr>
+          <a:xfrm>
+            <a:off x="1097280" y="1845734"/>
+            <a:ext cx="10058400" cy="4504266"/>
+          </a:xfrm>
+        </p:spPr>
+        <p:txBody>
+          <a:bodyPr>
+            <a:normAutofit/>
+          </a:bodyPr>
+          <a:lstStyle/>
+          <a:p>
+            <a:pPr marL="0" lvl="0" indent="0">
+              <a:lnSpc>
+                <a:spcPct val="120000"/>
+              </a:lnSpc>
+              <a:spcBef>
+                <a:spcPts val="200"/>
+              </a:spcBef>
+              <a:buClr>
+                <a:srgbClr val="E48312"/>
+              </a:buClr>
+              <a:buNone/>
+            </a:pPr>
+            <a:r>
+              <a:rPr lang="en-US" altLang="zh-CN" sz="2800" dirty="0">
+                <a:solidFill>
+                  <a:srgbClr val="000000">
+                    <a:lumMod val="75000"/>
+                    <a:lumOff val="25000"/>
+                  </a:srgbClr>
+                </a:solidFill>
+              </a:rPr>
+              <a:t> </a:t>
+            </a:r>
+            <a:r>
+              <a:rPr lang="en-US" altLang="zh-CN" sz="2800" dirty="0">
+                <a:solidFill>
+                  <a:srgbClr val="000000">
+                    <a:lumMod val="75000"/>
+                    <a:lumOff val="25000"/>
+                  </a:srgbClr>
+                </a:solidFill>
+                <a:hlinkClick r:id="rId2"/>
+              </a:rPr>
+              <a:t>http://67.209.182.45:3000</a:t>
+            </a:r>
+            <a:r>
+              <a:rPr lang="en-US" altLang="zh-CN" sz="2800" dirty="0">
+                <a:solidFill>
+                  <a:srgbClr val="000000">
+                    <a:lumMod val="75000"/>
+                    <a:lumOff val="25000"/>
+                  </a:srgbClr>
+                </a:solidFill>
+              </a:rPr>
+              <a:t> </a:t>
+            </a:r>
+          </a:p>
+        </p:txBody>
+      </p:sp>
     </p:spTree>
     <p:extLst>
       <p:ext uri="{BB962C8B-B14F-4D97-AF65-F5344CB8AC3E}">
